--- a/figure-assembly/figure-1-components/figure_1_panel_model_scheme.pptx
+++ b/figure-assembly/figure-1-components/figure_1_panel_model_scheme.pptx
@@ -259,7 +259,7 @@
           <a:p>
             <a:fld id="{3D0D4C98-D5D6-1C45-B38F-9D83B19E74F8}" type="datetimeFigureOut">
               <a:rPr lang="en-US" smtClean="0"/>
-              <a:t>10/19/18</a:t>
+              <a:t>10/30/18</a:t>
             </a:fld>
             <a:endParaRPr lang="en-US"/>
           </a:p>
@@ -457,7 +457,7 @@
           <a:p>
             <a:fld id="{3D0D4C98-D5D6-1C45-B38F-9D83B19E74F8}" type="datetimeFigureOut">
               <a:rPr lang="en-US" smtClean="0"/>
-              <a:t>10/19/18</a:t>
+              <a:t>10/30/18</a:t>
             </a:fld>
             <a:endParaRPr lang="en-US"/>
           </a:p>
@@ -665,7 +665,7 @@
           <a:p>
             <a:fld id="{3D0D4C98-D5D6-1C45-B38F-9D83B19E74F8}" type="datetimeFigureOut">
               <a:rPr lang="en-US" smtClean="0"/>
-              <a:t>10/19/18</a:t>
+              <a:t>10/30/18</a:t>
             </a:fld>
             <a:endParaRPr lang="en-US"/>
           </a:p>
@@ -863,7 +863,7 @@
           <a:p>
             <a:fld id="{3D0D4C98-D5D6-1C45-B38F-9D83B19E74F8}" type="datetimeFigureOut">
               <a:rPr lang="en-US" smtClean="0"/>
-              <a:t>10/19/18</a:t>
+              <a:t>10/30/18</a:t>
             </a:fld>
             <a:endParaRPr lang="en-US"/>
           </a:p>
@@ -1138,7 +1138,7 @@
           <a:p>
             <a:fld id="{3D0D4C98-D5D6-1C45-B38F-9D83B19E74F8}" type="datetimeFigureOut">
               <a:rPr lang="en-US" smtClean="0"/>
-              <a:t>10/19/18</a:t>
+              <a:t>10/30/18</a:t>
             </a:fld>
             <a:endParaRPr lang="en-US"/>
           </a:p>
@@ -1403,7 +1403,7 @@
           <a:p>
             <a:fld id="{3D0D4C98-D5D6-1C45-B38F-9D83B19E74F8}" type="datetimeFigureOut">
               <a:rPr lang="en-US" smtClean="0"/>
-              <a:t>10/19/18</a:t>
+              <a:t>10/30/18</a:t>
             </a:fld>
             <a:endParaRPr lang="en-US"/>
           </a:p>
@@ -1815,7 +1815,7 @@
           <a:p>
             <a:fld id="{3D0D4C98-D5D6-1C45-B38F-9D83B19E74F8}" type="datetimeFigureOut">
               <a:rPr lang="en-US" smtClean="0"/>
-              <a:t>10/19/18</a:t>
+              <a:t>10/30/18</a:t>
             </a:fld>
             <a:endParaRPr lang="en-US"/>
           </a:p>
@@ -1956,7 +1956,7 @@
           <a:p>
             <a:fld id="{3D0D4C98-D5D6-1C45-B38F-9D83B19E74F8}" type="datetimeFigureOut">
               <a:rPr lang="en-US" smtClean="0"/>
-              <a:t>10/19/18</a:t>
+              <a:t>10/30/18</a:t>
             </a:fld>
             <a:endParaRPr lang="en-US"/>
           </a:p>
@@ -2069,7 +2069,7 @@
           <a:p>
             <a:fld id="{3D0D4C98-D5D6-1C45-B38F-9D83B19E74F8}" type="datetimeFigureOut">
               <a:rPr lang="en-US" smtClean="0"/>
-              <a:t>10/19/18</a:t>
+              <a:t>10/30/18</a:t>
             </a:fld>
             <a:endParaRPr lang="en-US"/>
           </a:p>
@@ -2380,7 +2380,7 @@
           <a:p>
             <a:fld id="{3D0D4C98-D5D6-1C45-B38F-9D83B19E74F8}" type="datetimeFigureOut">
               <a:rPr lang="en-US" smtClean="0"/>
-              <a:t>10/19/18</a:t>
+              <a:t>10/30/18</a:t>
             </a:fld>
             <a:endParaRPr lang="en-US"/>
           </a:p>
@@ -2668,7 +2668,7 @@
           <a:p>
             <a:fld id="{3D0D4C98-D5D6-1C45-B38F-9D83B19E74F8}" type="datetimeFigureOut">
               <a:rPr lang="en-US" smtClean="0"/>
-              <a:t>10/19/18</a:t>
+              <a:t>10/30/18</a:t>
             </a:fld>
             <a:endParaRPr lang="en-US"/>
           </a:p>
@@ -2909,7 +2909,7 @@
           <a:p>
             <a:fld id="{3D0D4C98-D5D6-1C45-B38F-9D83B19E74F8}" type="datetimeFigureOut">
               <a:rPr lang="en-US" smtClean="0"/>
-              <a:t>10/19/18</a:t>
+              <a:t>10/30/18</a:t>
             </a:fld>
             <a:endParaRPr lang="en-US"/>
           </a:p>
@@ -3705,7 +3705,7 @@
           </a:solidFill>
           <a:ln w="28575" cmpd="sng">
             <a:solidFill>
-              <a:srgbClr val="008000"/>
+              <a:srgbClr val="00B050"/>
             </a:solidFill>
           </a:ln>
         </p:spPr>
@@ -3764,7 +3764,7 @@
           </a:solidFill>
           <a:ln w="28575" cmpd="sng">
             <a:solidFill>
-              <a:srgbClr val="800000"/>
+              <a:srgbClr val="AB7942"/>
             </a:solidFill>
           </a:ln>
         </p:spPr>
@@ -5174,8 +5174,8 @@
             </p:nvSpPr>
             <p:spPr>
               <a:xfrm>
-                <a:off x="4149499" y="4910539"/>
-                <a:ext cx="3355706" cy="837217"/>
+                <a:off x="4149499" y="4762262"/>
+                <a:ext cx="3355706" cy="1133772"/>
               </a:xfrm>
               <a:prstGeom prst="rect">
                 <a:avLst/>
@@ -5261,7 +5261,7 @@
                       <m:r>
                         <a:rPr lang="en-US" b="0" i="1" smtClean="0">
                           <a:solidFill>
-                            <a:srgbClr val="017500"/>
+                            <a:srgbClr val="00B050"/>
                           </a:solidFill>
                           <a:latin typeface="Cambria Math" panose="02040503050406030204" pitchFamily="18" charset="0"/>
                           <a:ea typeface="Cambria Math" panose="02040503050406030204" pitchFamily="18" charset="0"/>
@@ -5280,7 +5280,7 @@
                       <m:r>
                         <a:rPr lang="en-US" b="0" i="1" smtClean="0">
                           <a:solidFill>
-                            <a:srgbClr val="750000"/>
+                            <a:srgbClr val="AB7942"/>
                           </a:solidFill>
                           <a:latin typeface="Cambria Math" panose="02040503050406030204" pitchFamily="18" charset="0"/>
                           <a:ea typeface="Cambria Math" panose="02040503050406030204" pitchFamily="18" charset="0"/>
@@ -5448,7 +5448,7 @@
                       <m:r>
                         <a:rPr lang="en-GB" b="0" i="1" smtClean="0">
                           <a:solidFill>
-                            <a:srgbClr val="017500"/>
+                            <a:srgbClr val="00B050"/>
                           </a:solidFill>
                           <a:latin typeface="Cambria Math" panose="02040503050406030204" pitchFamily="18" charset="0"/>
                           <a:ea typeface="Cambria Math" panose="02040503050406030204" pitchFamily="18" charset="0"/>
@@ -5482,7 +5482,7 @@
                           <m:r>
                             <a:rPr lang="en-US" b="0" i="1" smtClean="0">
                               <a:solidFill>
-                                <a:srgbClr val="017500"/>
+                                <a:srgbClr val="00B050"/>
                               </a:solidFill>
                               <a:latin typeface="Cambria Math" panose="02040503050406030204" pitchFamily="18" charset="0"/>
                               <a:ea typeface="Cambria Math" panose="02040503050406030204" pitchFamily="18" charset="0"/>
@@ -5527,6 +5527,230 @@
               </a:p>
               <a:p>
                 <a:pPr algn="ctr"/>
+                <a14:m>
+                  <m:oMathPara xmlns:m="http://schemas.openxmlformats.org/officeDocument/2006/math">
+                    <m:oMathParaPr>
+                      <m:jc m:val="centerGroup"/>
+                    </m:oMathParaPr>
+                    <m:oMath xmlns:m="http://schemas.openxmlformats.org/officeDocument/2006/math">
+                      <m:r>
+                        <a:rPr lang="en-GB" b="0" i="1" smtClean="0">
+                          <a:solidFill>
+                            <a:schemeClr val="tx1"/>
+                          </a:solidFill>
+                          <a:latin typeface="Cambria Math" panose="02040503050406030204" pitchFamily="18" charset="0"/>
+                          <a:ea typeface="Cambria Math" panose="02040503050406030204" pitchFamily="18" charset="0"/>
+                        </a:rPr>
+                        <m:t>𝑓</m:t>
+                      </m:r>
+                      <m:r>
+                        <a:rPr lang="en-GB" b="0" i="1" baseline="-25000" smtClean="0">
+                          <a:solidFill>
+                            <a:srgbClr val="00B050"/>
+                          </a:solidFill>
+                          <a:latin typeface="Cambria Math" panose="02040503050406030204" pitchFamily="18" charset="0"/>
+                          <a:ea typeface="Cambria Math" panose="02040503050406030204" pitchFamily="18" charset="0"/>
+                        </a:rPr>
+                        <m:t>𝐸</m:t>
+                      </m:r>
+                      <m:r>
+                        <a:rPr lang="en-GB" b="0" i="1" smtClean="0">
+                          <a:solidFill>
+                            <a:schemeClr val="tx1"/>
+                          </a:solidFill>
+                          <a:latin typeface="Cambria Math" panose="02040503050406030204" pitchFamily="18" charset="0"/>
+                          <a:ea typeface="Cambria Math" panose="02040503050406030204" pitchFamily="18" charset="0"/>
+                        </a:rPr>
+                        <m:t>+</m:t>
+                      </m:r>
+                      <m:sSub>
+                        <m:sSubPr>
+                          <m:ctrlPr>
+                            <a:rPr lang="en-GB" b="0" i="1" smtClean="0">
+                              <a:solidFill>
+                                <a:schemeClr val="tx1"/>
+                              </a:solidFill>
+                              <a:latin typeface="Cambria Math" panose="02040503050406030204" pitchFamily="18" charset="0"/>
+                              <a:ea typeface="Cambria Math" panose="02040503050406030204" pitchFamily="18" charset="0"/>
+                            </a:rPr>
+                          </m:ctrlPr>
+                        </m:sSubPr>
+                        <m:e>
+                          <m:r>
+                            <a:rPr lang="en-GB" b="0" i="1" smtClean="0">
+                              <a:solidFill>
+                                <a:schemeClr val="tx1"/>
+                              </a:solidFill>
+                              <a:latin typeface="Cambria Math" panose="02040503050406030204" pitchFamily="18" charset="0"/>
+                              <a:ea typeface="Cambria Math" panose="02040503050406030204" pitchFamily="18" charset="0"/>
+                            </a:rPr>
+                            <m:t>𝑓</m:t>
+                          </m:r>
+                        </m:e>
+                        <m:sub>
+                          <m:r>
+                            <a:rPr lang="en-GB" b="0" i="1" smtClean="0">
+                              <a:solidFill>
+                                <a:srgbClr val="0432FF"/>
+                              </a:solidFill>
+                              <a:latin typeface="Cambria Math" panose="02040503050406030204" pitchFamily="18" charset="0"/>
+                              <a:ea typeface="Cambria Math" panose="02040503050406030204" pitchFamily="18" charset="0"/>
+                            </a:rPr>
+                            <m:t>𝑅</m:t>
+                          </m:r>
+                        </m:sub>
+                      </m:sSub>
+                      <m:r>
+                        <a:rPr lang="en-GB" b="0" i="1" smtClean="0">
+                          <a:solidFill>
+                            <a:schemeClr val="tx1"/>
+                          </a:solidFill>
+                          <a:latin typeface="Cambria Math" panose="02040503050406030204" pitchFamily="18" charset="0"/>
+                          <a:ea typeface="Cambria Math" panose="02040503050406030204" pitchFamily="18" charset="0"/>
+                        </a:rPr>
+                        <m:t>+</m:t>
+                      </m:r>
+                      <m:sSub>
+                        <m:sSubPr>
+                          <m:ctrlPr>
+                            <a:rPr lang="en-GB" b="0" i="1" smtClean="0">
+                              <a:solidFill>
+                                <a:schemeClr val="tx1"/>
+                              </a:solidFill>
+                              <a:latin typeface="Cambria Math" panose="02040503050406030204" pitchFamily="18" charset="0"/>
+                              <a:ea typeface="Cambria Math" panose="02040503050406030204" pitchFamily="18" charset="0"/>
+                            </a:rPr>
+                          </m:ctrlPr>
+                        </m:sSubPr>
+                        <m:e>
+                          <m:r>
+                            <a:rPr lang="en-GB" b="0" i="1" smtClean="0">
+                              <a:solidFill>
+                                <a:schemeClr val="tx1"/>
+                              </a:solidFill>
+                              <a:latin typeface="Cambria Math" panose="02040503050406030204" pitchFamily="18" charset="0"/>
+                              <a:ea typeface="Cambria Math" panose="02040503050406030204" pitchFamily="18" charset="0"/>
+                            </a:rPr>
+                            <m:t>𝑓</m:t>
+                          </m:r>
+                        </m:e>
+                        <m:sub>
+                          <m:r>
+                            <a:rPr lang="en-GB" i="1">
+                              <a:solidFill>
+                                <a:srgbClr val="AB7942"/>
+                              </a:solidFill>
+                              <a:latin typeface="Cambria Math" panose="02040503050406030204" pitchFamily="18" charset="0"/>
+                              <a:ea typeface="Cambria Math" panose="02040503050406030204" pitchFamily="18" charset="0"/>
+                            </a:rPr>
+                            <m:t>𝑄</m:t>
+                          </m:r>
+                        </m:sub>
+                      </m:sSub>
+                      <m:r>
+                        <a:rPr lang="en-GB" b="0" i="1" smtClean="0">
+                          <a:solidFill>
+                            <a:schemeClr val="tx1"/>
+                          </a:solidFill>
+                          <a:latin typeface="Cambria Math" panose="02040503050406030204" pitchFamily="18" charset="0"/>
+                          <a:ea typeface="Cambria Math" panose="02040503050406030204" pitchFamily="18" charset="0"/>
+                        </a:rPr>
+                        <m:t>+</m:t>
+                      </m:r>
+                      <m:sSub>
+                        <m:sSubPr>
+                          <m:ctrlPr>
+                            <a:rPr lang="en-GB" b="0" i="1" smtClean="0">
+                              <a:solidFill>
+                                <a:schemeClr val="tx1"/>
+                              </a:solidFill>
+                              <a:latin typeface="Cambria Math" panose="02040503050406030204" pitchFamily="18" charset="0"/>
+                              <a:ea typeface="Cambria Math" panose="02040503050406030204" pitchFamily="18" charset="0"/>
+                            </a:rPr>
+                          </m:ctrlPr>
+                        </m:sSubPr>
+                        <m:e>
+                          <m:r>
+                            <a:rPr lang="en-GB" b="0" i="1" smtClean="0">
+                              <a:solidFill>
+                                <a:schemeClr val="tx1"/>
+                              </a:solidFill>
+                              <a:latin typeface="Cambria Math" panose="02040503050406030204" pitchFamily="18" charset="0"/>
+                              <a:ea typeface="Cambria Math" panose="02040503050406030204" pitchFamily="18" charset="0"/>
+                            </a:rPr>
+                            <m:t>𝑓</m:t>
+                          </m:r>
+                        </m:e>
+                        <m:sub>
+                          <m:r>
+                            <a:rPr lang="en-GB" b="0" i="1" smtClean="0">
+                              <a:solidFill>
+                                <a:srgbClr val="FF0000"/>
+                              </a:solidFill>
+                              <a:latin typeface="Cambria Math" panose="02040503050406030204" pitchFamily="18" charset="0"/>
+                              <a:ea typeface="Cambria Math" panose="02040503050406030204" pitchFamily="18" charset="0"/>
+                            </a:rPr>
+                            <m:t>𝑋</m:t>
+                          </m:r>
+                        </m:sub>
+                      </m:sSub>
+                      <m:r>
+                        <a:rPr lang="en-GB" b="0" i="1" smtClean="0">
+                          <a:solidFill>
+                            <a:schemeClr val="tx1"/>
+                          </a:solidFill>
+                          <a:latin typeface="Cambria Math" panose="02040503050406030204" pitchFamily="18" charset="0"/>
+                          <a:ea typeface="Cambria Math" panose="02040503050406030204" pitchFamily="18" charset="0"/>
+                        </a:rPr>
+                        <m:t>+</m:t>
+                      </m:r>
+                      <m:r>
+                        <a:rPr lang="en-GB" i="1">
+                          <a:latin typeface="Cambria Math" panose="02040503050406030204" pitchFamily="18" charset="0"/>
+                          <a:ea typeface="Cambria Math" panose="02040503050406030204" pitchFamily="18" charset="0"/>
+                        </a:rPr>
+                        <m:t>𝑓</m:t>
+                      </m:r>
+                      <m:r>
+                        <a:rPr lang="en-GB" b="0" i="1" baseline="-25000" smtClean="0">
+                          <a:solidFill>
+                            <a:schemeClr val="bg1">
+                              <a:lumMod val="50000"/>
+                            </a:schemeClr>
+                          </a:solidFill>
+                          <a:latin typeface="Cambria Math" panose="02040503050406030204" pitchFamily="18" charset="0"/>
+                          <a:ea typeface="Cambria Math" panose="02040503050406030204" pitchFamily="18" charset="0"/>
+                        </a:rPr>
+                        <m:t>𝑈</m:t>
+                      </m:r>
+                      <m:r>
+                        <a:rPr lang="en-GB" i="1">
+                          <a:latin typeface="Cambria Math" panose="02040503050406030204" pitchFamily="18" charset="0"/>
+                          <a:ea typeface="Cambria Math" panose="02040503050406030204" pitchFamily="18" charset="0"/>
+                        </a:rPr>
+                        <m:t>=</m:t>
+                      </m:r>
+                      <m:r>
+                        <a:rPr lang="en-GB" b="0" i="1" smtClean="0">
+                          <a:latin typeface="Cambria Math" panose="02040503050406030204" pitchFamily="18" charset="0"/>
+                          <a:ea typeface="Cambria Math" panose="02040503050406030204" pitchFamily="18" charset="0"/>
+                        </a:rPr>
+                        <m:t>1</m:t>
+                      </m:r>
+                    </m:oMath>
+                  </m:oMathPara>
+                </a14:m>
+                <a:endParaRPr lang="fr-FR" b="0" dirty="0">
+                  <a:solidFill>
+                    <a:schemeClr val="bg1">
+                      <a:lumMod val="50000"/>
+                    </a:schemeClr>
+                  </a:solidFill>
+                  <a:ea typeface="Cambria Math" panose="02040503050406030204" pitchFamily="18" charset="0"/>
+                </a:endParaRPr>
+              </a:p>
+              <a:p>
+                <a:pPr algn="ctr"/>
                 <a:endParaRPr lang="fr-FR" sz="500" b="0" dirty="0">
                   <a:solidFill>
                     <a:schemeClr val="bg1">
@@ -5556,8 +5780,8 @@
             </p:nvSpPr>
             <p:spPr>
               <a:xfrm>
-                <a:off x="4149499" y="4910539"/>
-                <a:ext cx="3355706" cy="837217"/>
+                <a:off x="4149499" y="4762262"/>
+                <a:ext cx="3355706" cy="1133772"/>
               </a:xfrm>
               <a:prstGeom prst="rect">
                 <a:avLst/>
@@ -5565,7 +5789,7 @@
               <a:blipFill>
                 <a:blip r:embed="rId2"/>
                 <a:stretch>
-                  <a:fillRect l="-375" t="-17391" b="-86957"/>
+                  <a:fillRect l="-375" t="-11957" b="-40217"/>
                 </a:stretch>
               </a:blipFill>
               <a:ln w="19050">
@@ -5592,6 +5816,166 @@
           </p:sp>
         </mc:Fallback>
       </mc:AlternateContent>
+      <p:sp>
+        <p:nvSpPr>
+          <p:cNvPr id="41" name="TextBox 40">
+            <a:extLst>
+              <a:ext uri="{FF2B5EF4-FFF2-40B4-BE49-F238E27FC236}">
+                <a16:creationId xmlns:a16="http://schemas.microsoft.com/office/drawing/2014/main" id="{F8F97DE8-8FA9-DF49-AAC9-3DA6250B1E91}"/>
+              </a:ext>
+            </a:extLst>
+          </p:cNvPr>
+          <p:cNvSpPr txBox="1"/>
+          <p:nvPr/>
+        </p:nvSpPr>
+        <p:spPr>
+          <a:xfrm>
+            <a:off x="5021307" y="1507727"/>
+            <a:ext cx="516762" cy="369332"/>
+          </a:xfrm>
+          <a:prstGeom prst="rect">
+            <a:avLst/>
+          </a:prstGeom>
+          <a:noFill/>
+        </p:spPr>
+        <p:txBody>
+          <a:bodyPr wrap="square" rtlCol="0">
+            <a:spAutoFit/>
+          </a:bodyPr>
+          <a:lstStyle/>
+          <a:p>
+            <a:r>
+              <a:rPr lang="en-US" dirty="0" err="1"/>
+              <a:t>f</a:t>
+            </a:r>
+            <a:r>
+              <a:rPr lang="en-US" baseline="-25000" dirty="0" err="1"/>
+              <a:t>E</a:t>
+            </a:r>
+            <a:endParaRPr lang="en-US" baseline="-25000" dirty="0"/>
+          </a:p>
+        </p:txBody>
+      </p:sp>
+      <p:sp>
+        <p:nvSpPr>
+          <p:cNvPr id="42" name="TextBox 41">
+            <a:extLst>
+              <a:ext uri="{FF2B5EF4-FFF2-40B4-BE49-F238E27FC236}">
+                <a16:creationId xmlns:a16="http://schemas.microsoft.com/office/drawing/2014/main" id="{0481A2B8-9732-A346-BCAF-7C6A6990B7BB}"/>
+              </a:ext>
+            </a:extLst>
+          </p:cNvPr>
+          <p:cNvSpPr txBox="1"/>
+          <p:nvPr/>
+        </p:nvSpPr>
+        <p:spPr>
+          <a:xfrm>
+            <a:off x="5199041" y="1909326"/>
+            <a:ext cx="516762" cy="369332"/>
+          </a:xfrm>
+          <a:prstGeom prst="rect">
+            <a:avLst/>
+          </a:prstGeom>
+          <a:noFill/>
+        </p:spPr>
+        <p:txBody>
+          <a:bodyPr wrap="square" rtlCol="0">
+            <a:spAutoFit/>
+          </a:bodyPr>
+          <a:lstStyle/>
+          <a:p>
+            <a:r>
+              <a:rPr lang="en-US" dirty="0" err="1"/>
+              <a:t>f</a:t>
+            </a:r>
+            <a:r>
+              <a:rPr lang="en-US" baseline="-25000" dirty="0" err="1"/>
+              <a:t>Q</a:t>
+            </a:r>
+            <a:endParaRPr lang="en-US" baseline="-25000" dirty="0"/>
+          </a:p>
+        </p:txBody>
+      </p:sp>
+      <p:sp>
+        <p:nvSpPr>
+          <p:cNvPr id="43" name="TextBox 42">
+            <a:extLst>
+              <a:ext uri="{FF2B5EF4-FFF2-40B4-BE49-F238E27FC236}">
+                <a16:creationId xmlns:a16="http://schemas.microsoft.com/office/drawing/2014/main" id="{046F2D73-653D-CF4D-A6AD-7DFC96D9BEE9}"/>
+              </a:ext>
+            </a:extLst>
+          </p:cNvPr>
+          <p:cNvSpPr txBox="1"/>
+          <p:nvPr/>
+        </p:nvSpPr>
+        <p:spPr>
+          <a:xfrm>
+            <a:off x="5224093" y="3128810"/>
+            <a:ext cx="516762" cy="369332"/>
+          </a:xfrm>
+          <a:prstGeom prst="rect">
+            <a:avLst/>
+          </a:prstGeom>
+          <a:noFill/>
+        </p:spPr>
+        <p:txBody>
+          <a:bodyPr wrap="square" rtlCol="0">
+            <a:spAutoFit/>
+          </a:bodyPr>
+          <a:lstStyle/>
+          <a:p>
+            <a:r>
+              <a:rPr lang="en-US" dirty="0" err="1"/>
+              <a:t>f</a:t>
+            </a:r>
+            <a:r>
+              <a:rPr lang="en-US" baseline="-25000" dirty="0" err="1"/>
+              <a:t>X</a:t>
+            </a:r>
+            <a:endParaRPr lang="en-US" baseline="-25000" dirty="0"/>
+          </a:p>
+        </p:txBody>
+      </p:sp>
+      <p:sp>
+        <p:nvSpPr>
+          <p:cNvPr id="44" name="TextBox 43">
+            <a:extLst>
+              <a:ext uri="{FF2B5EF4-FFF2-40B4-BE49-F238E27FC236}">
+                <a16:creationId xmlns:a16="http://schemas.microsoft.com/office/drawing/2014/main" id="{C8D4C63D-6BD2-B74B-B8C7-9A70F1752062}"/>
+              </a:ext>
+            </a:extLst>
+          </p:cNvPr>
+          <p:cNvSpPr txBox="1"/>
+          <p:nvPr/>
+        </p:nvSpPr>
+        <p:spPr>
+          <a:xfrm>
+            <a:off x="5068048" y="3471539"/>
+            <a:ext cx="516762" cy="369332"/>
+          </a:xfrm>
+          <a:prstGeom prst="rect">
+            <a:avLst/>
+          </a:prstGeom>
+          <a:noFill/>
+        </p:spPr>
+        <p:txBody>
+          <a:bodyPr wrap="square" rtlCol="0">
+            <a:spAutoFit/>
+          </a:bodyPr>
+          <a:lstStyle/>
+          <a:p>
+            <a:r>
+              <a:rPr lang="en-US" dirty="0" err="1"/>
+              <a:t>f</a:t>
+            </a:r>
+            <a:r>
+              <a:rPr lang="en-US" baseline="-25000" dirty="0" err="1"/>
+              <a:t>R</a:t>
+            </a:r>
+            <a:endParaRPr lang="en-US" baseline="-25000" dirty="0"/>
+          </a:p>
+        </p:txBody>
+      </p:sp>
     </p:spTree>
     <p:extLst>
       <p:ext uri="{BB962C8B-B14F-4D97-AF65-F5344CB8AC3E}">

--- a/figure-assembly/figure-1-components/figure_1_panel_model_scheme.pptx
+++ b/figure-assembly/figure-1-components/figure_1_panel_model_scheme.pptx
@@ -5,7 +5,8 @@
     <p:sldMasterId id="2147483648" r:id="rId1"/>
   </p:sldMasterIdLst>
   <p:sldIdLst>
-    <p:sldId id="270" r:id="rId2"/>
+    <p:sldId id="271" r:id="rId2"/>
+    <p:sldId id="270" r:id="rId3"/>
   </p:sldIdLst>
   <p:sldSz cx="12192000" cy="6858000"/>
   <p:notesSz cx="6858000" cy="9144000"/>
@@ -259,7 +260,7 @@
           <a:p>
             <a:fld id="{3D0D4C98-D5D6-1C45-B38F-9D83B19E74F8}" type="datetimeFigureOut">
               <a:rPr lang="en-US" smtClean="0"/>
-              <a:t>10/30/18</a:t>
+              <a:t>3/1/19</a:t>
             </a:fld>
             <a:endParaRPr lang="en-US"/>
           </a:p>
@@ -457,7 +458,7 @@
           <a:p>
             <a:fld id="{3D0D4C98-D5D6-1C45-B38F-9D83B19E74F8}" type="datetimeFigureOut">
               <a:rPr lang="en-US" smtClean="0"/>
-              <a:t>10/30/18</a:t>
+              <a:t>3/1/19</a:t>
             </a:fld>
             <a:endParaRPr lang="en-US"/>
           </a:p>
@@ -665,7 +666,7 @@
           <a:p>
             <a:fld id="{3D0D4C98-D5D6-1C45-B38F-9D83B19E74F8}" type="datetimeFigureOut">
               <a:rPr lang="en-US" smtClean="0"/>
-              <a:t>10/30/18</a:t>
+              <a:t>3/1/19</a:t>
             </a:fld>
             <a:endParaRPr lang="en-US"/>
           </a:p>
@@ -863,7 +864,7 @@
           <a:p>
             <a:fld id="{3D0D4C98-D5D6-1C45-B38F-9D83B19E74F8}" type="datetimeFigureOut">
               <a:rPr lang="en-US" smtClean="0"/>
-              <a:t>10/30/18</a:t>
+              <a:t>3/1/19</a:t>
             </a:fld>
             <a:endParaRPr lang="en-US"/>
           </a:p>
@@ -1138,7 +1139,7 @@
           <a:p>
             <a:fld id="{3D0D4C98-D5D6-1C45-B38F-9D83B19E74F8}" type="datetimeFigureOut">
               <a:rPr lang="en-US" smtClean="0"/>
-              <a:t>10/30/18</a:t>
+              <a:t>3/1/19</a:t>
             </a:fld>
             <a:endParaRPr lang="en-US"/>
           </a:p>
@@ -1403,7 +1404,7 @@
           <a:p>
             <a:fld id="{3D0D4C98-D5D6-1C45-B38F-9D83B19E74F8}" type="datetimeFigureOut">
               <a:rPr lang="en-US" smtClean="0"/>
-              <a:t>10/30/18</a:t>
+              <a:t>3/1/19</a:t>
             </a:fld>
             <a:endParaRPr lang="en-US"/>
           </a:p>
@@ -1815,7 +1816,7 @@
           <a:p>
             <a:fld id="{3D0D4C98-D5D6-1C45-B38F-9D83B19E74F8}" type="datetimeFigureOut">
               <a:rPr lang="en-US" smtClean="0"/>
-              <a:t>10/30/18</a:t>
+              <a:t>3/1/19</a:t>
             </a:fld>
             <a:endParaRPr lang="en-US"/>
           </a:p>
@@ -1956,7 +1957,7 @@
           <a:p>
             <a:fld id="{3D0D4C98-D5D6-1C45-B38F-9D83B19E74F8}" type="datetimeFigureOut">
               <a:rPr lang="en-US" smtClean="0"/>
-              <a:t>10/30/18</a:t>
+              <a:t>3/1/19</a:t>
             </a:fld>
             <a:endParaRPr lang="en-US"/>
           </a:p>
@@ -2069,7 +2070,7 @@
           <a:p>
             <a:fld id="{3D0D4C98-D5D6-1C45-B38F-9D83B19E74F8}" type="datetimeFigureOut">
               <a:rPr lang="en-US" smtClean="0"/>
-              <a:t>10/30/18</a:t>
+              <a:t>3/1/19</a:t>
             </a:fld>
             <a:endParaRPr lang="en-US"/>
           </a:p>
@@ -2380,7 +2381,7 @@
           <a:p>
             <a:fld id="{3D0D4C98-D5D6-1C45-B38F-9D83B19E74F8}" type="datetimeFigureOut">
               <a:rPr lang="en-US" smtClean="0"/>
-              <a:t>10/30/18</a:t>
+              <a:t>3/1/19</a:t>
             </a:fld>
             <a:endParaRPr lang="en-US"/>
           </a:p>
@@ -2668,7 +2669,7 @@
           <a:p>
             <a:fld id="{3D0D4C98-D5D6-1C45-B38F-9D83B19E74F8}" type="datetimeFigureOut">
               <a:rPr lang="en-US" smtClean="0"/>
-              <a:t>10/30/18</a:t>
+              <a:t>3/1/19</a:t>
             </a:fld>
             <a:endParaRPr lang="en-US"/>
           </a:p>
@@ -2909,7 +2910,7 @@
           <a:p>
             <a:fld id="{3D0D4C98-D5D6-1C45-B38F-9D83B19E74F8}" type="datetimeFigureOut">
               <a:rPr lang="en-US" smtClean="0"/>
-              <a:t>10/30/18</a:t>
+              <a:t>3/1/19</a:t>
             </a:fld>
             <a:endParaRPr lang="en-US"/>
           </a:p>
@@ -3340,8 +3341,8 @@
         </p:nvSpPr>
         <p:spPr>
           <a:xfrm>
-            <a:off x="3752602" y="3906105"/>
-            <a:ext cx="3987811" cy="805733"/>
+            <a:off x="3345633" y="3704926"/>
+            <a:ext cx="3929223" cy="655397"/>
           </a:xfrm>
           <a:prstGeom prst="rect">
             <a:avLst/>
@@ -3377,7 +3378,3325 @@
           <a:lstStyle/>
           <a:p>
             <a:pPr algn="ctr"/>
-            <a:endParaRPr lang="en-US"/>
+            <a:endParaRPr lang="en-US">
+              <a:latin typeface="Arial" panose="020B0604020202020204" pitchFamily="34" charset="0"/>
+              <a:cs typeface="Arial" panose="020B0604020202020204" pitchFamily="34" charset="0"/>
+            </a:endParaRPr>
+          </a:p>
+        </p:txBody>
+      </p:sp>
+      <p:sp>
+        <p:nvSpPr>
+          <p:cNvPr id="34" name="Rectangle 33">
+            <a:extLst>
+              <a:ext uri="{FF2B5EF4-FFF2-40B4-BE49-F238E27FC236}">
+                <a16:creationId xmlns:a16="http://schemas.microsoft.com/office/drawing/2014/main" id="{A3643E80-BD1E-8D4A-ADE1-DD471ED37B49}"/>
+              </a:ext>
+            </a:extLst>
+          </p:cNvPr>
+          <p:cNvSpPr/>
+          <p:nvPr/>
+        </p:nvSpPr>
+        <p:spPr>
+          <a:xfrm>
+            <a:off x="5510311" y="2484080"/>
+            <a:ext cx="1464810" cy="587012"/>
+          </a:xfrm>
+          <a:prstGeom prst="rect">
+            <a:avLst/>
+          </a:prstGeom>
+          <a:solidFill>
+            <a:schemeClr val="accent2">
+              <a:lumMod val="60000"/>
+              <a:lumOff val="40000"/>
+            </a:schemeClr>
+          </a:solidFill>
+          <a:ln>
+            <a:noFill/>
+          </a:ln>
+        </p:spPr>
+        <p:style>
+          <a:lnRef idx="2">
+            <a:schemeClr val="accent1">
+              <a:shade val="50000"/>
+            </a:schemeClr>
+          </a:lnRef>
+          <a:fillRef idx="1">
+            <a:schemeClr val="accent1"/>
+          </a:fillRef>
+          <a:effectRef idx="0">
+            <a:schemeClr val="accent1"/>
+          </a:effectRef>
+          <a:fontRef idx="minor">
+            <a:schemeClr val="lt1"/>
+          </a:fontRef>
+        </p:style>
+        <p:txBody>
+          <a:bodyPr rtlCol="0" anchor="ctr"/>
+          <a:lstStyle/>
+          <a:p>
+            <a:pPr algn="ctr"/>
+            <a:endParaRPr lang="en-US">
+              <a:latin typeface="Arial" panose="020B0604020202020204" pitchFamily="34" charset="0"/>
+              <a:cs typeface="Arial" panose="020B0604020202020204" pitchFamily="34" charset="0"/>
+            </a:endParaRPr>
+          </a:p>
+        </p:txBody>
+      </p:sp>
+      <p:sp>
+        <p:nvSpPr>
+          <p:cNvPr id="33" name="Rectangle 32">
+            <a:extLst>
+              <a:ext uri="{FF2B5EF4-FFF2-40B4-BE49-F238E27FC236}">
+                <a16:creationId xmlns:a16="http://schemas.microsoft.com/office/drawing/2014/main" id="{7BB45755-1995-3E4B-A060-6132F7015821}"/>
+              </a:ext>
+            </a:extLst>
+          </p:cNvPr>
+          <p:cNvSpPr/>
+          <p:nvPr/>
+        </p:nvSpPr>
+        <p:spPr>
+          <a:xfrm>
+            <a:off x="3694297" y="1366964"/>
+            <a:ext cx="629246" cy="342510"/>
+          </a:xfrm>
+          <a:prstGeom prst="rect">
+            <a:avLst/>
+          </a:prstGeom>
+          <a:solidFill>
+            <a:schemeClr val="accent6">
+              <a:lumMod val="40000"/>
+              <a:lumOff val="60000"/>
+            </a:schemeClr>
+          </a:solidFill>
+          <a:ln>
+            <a:noFill/>
+          </a:ln>
+        </p:spPr>
+        <p:style>
+          <a:lnRef idx="2">
+            <a:schemeClr val="accent1">
+              <a:shade val="50000"/>
+            </a:schemeClr>
+          </a:lnRef>
+          <a:fillRef idx="1">
+            <a:schemeClr val="accent1"/>
+          </a:fillRef>
+          <a:effectRef idx="0">
+            <a:schemeClr val="accent1"/>
+          </a:effectRef>
+          <a:fontRef idx="minor">
+            <a:schemeClr val="lt1"/>
+          </a:fontRef>
+        </p:style>
+        <p:txBody>
+          <a:bodyPr rtlCol="0" anchor="ctr"/>
+          <a:lstStyle/>
+          <a:p>
+            <a:pPr algn="ctr"/>
+            <a:endParaRPr lang="en-US">
+              <a:latin typeface="Arial" panose="020B0604020202020204" pitchFamily="34" charset="0"/>
+              <a:cs typeface="Arial" panose="020B0604020202020204" pitchFamily="34" charset="0"/>
+            </a:endParaRPr>
+          </a:p>
+        </p:txBody>
+      </p:sp>
+      <p:sp>
+        <p:nvSpPr>
+          <p:cNvPr id="2" name="TextBox 1">
+            <a:extLst>
+              <a:ext uri="{FF2B5EF4-FFF2-40B4-BE49-F238E27FC236}">
+                <a16:creationId xmlns:a16="http://schemas.microsoft.com/office/drawing/2014/main" id="{A9D78E06-9870-F243-AECE-B3CB06AC2C7F}"/>
+              </a:ext>
+            </a:extLst>
+          </p:cNvPr>
+          <p:cNvSpPr txBox="1"/>
+          <p:nvPr/>
+        </p:nvSpPr>
+        <p:spPr>
+          <a:xfrm>
+            <a:off x="6557007" y="3279900"/>
+            <a:ext cx="1553143" cy="307777"/>
+          </a:xfrm>
+          <a:prstGeom prst="rect">
+            <a:avLst/>
+          </a:prstGeom>
+          <a:solidFill>
+            <a:srgbClr val="FFFFFF"/>
+          </a:solidFill>
+          <a:ln w="19050" cmpd="sng">
+            <a:noFill/>
+          </a:ln>
+        </p:spPr>
+        <p:txBody>
+          <a:bodyPr wrap="square" rtlCol="0" anchor="ctr">
+            <a:spAutoFit/>
+          </a:bodyPr>
+          <a:lstStyle/>
+          <a:p>
+            <a:r>
+              <a:rPr lang="en-US" sz="1400" dirty="0">
+                <a:latin typeface="Arial" panose="020B0604020202020204" pitchFamily="34" charset="0"/>
+                <a:cs typeface="Arial" panose="020B0604020202020204" pitchFamily="34" charset="0"/>
+              </a:rPr>
+              <a:t>Cell division</a:t>
+            </a:r>
+            <a:endParaRPr lang="en-US" sz="1400" baseline="-25000" dirty="0">
+              <a:latin typeface="Arial" panose="020B0604020202020204" pitchFamily="34" charset="0"/>
+              <a:cs typeface="Arial" panose="020B0604020202020204" pitchFamily="34" charset="0"/>
+            </a:endParaRPr>
+          </a:p>
+        </p:txBody>
+      </p:sp>
+      <p:sp>
+        <p:nvSpPr>
+          <p:cNvPr id="3" name="Hexagon 2">
+            <a:extLst>
+              <a:ext uri="{FF2B5EF4-FFF2-40B4-BE49-F238E27FC236}">
+                <a16:creationId xmlns:a16="http://schemas.microsoft.com/office/drawing/2014/main" id="{6C00EC40-8CE2-1F4F-9B90-36BBCBE245AF}"/>
+              </a:ext>
+            </a:extLst>
+          </p:cNvPr>
+          <p:cNvSpPr/>
+          <p:nvPr/>
+        </p:nvSpPr>
+        <p:spPr>
+          <a:xfrm>
+            <a:off x="3116010" y="2597760"/>
+            <a:ext cx="594484" cy="387860"/>
+          </a:xfrm>
+          <a:prstGeom prst="hexagon">
+            <a:avLst/>
+          </a:prstGeom>
+          <a:solidFill>
+            <a:srgbClr val="FFFFFF"/>
+          </a:solidFill>
+          <a:ln w="28575" cmpd="sng">
+            <a:solidFill>
+              <a:srgbClr val="FF00E1"/>
+            </a:solidFill>
+          </a:ln>
+        </p:spPr>
+        <p:style>
+          <a:lnRef idx="1">
+            <a:schemeClr val="accent1"/>
+          </a:lnRef>
+          <a:fillRef idx="3">
+            <a:schemeClr val="accent1"/>
+          </a:fillRef>
+          <a:effectRef idx="2">
+            <a:schemeClr val="accent1"/>
+          </a:effectRef>
+          <a:fontRef idx="minor">
+            <a:schemeClr val="lt1"/>
+          </a:fontRef>
+        </p:style>
+        <p:txBody>
+          <a:bodyPr rtlCol="0" anchor="ctr"/>
+          <a:lstStyle/>
+          <a:p>
+            <a:pPr algn="ctr"/>
+            <a:r>
+              <a:rPr lang="en-US" i="1" dirty="0">
+                <a:solidFill>
+                  <a:srgbClr val="000000"/>
+                </a:solidFill>
+                <a:latin typeface="Cambria" panose="02040503050406030204" pitchFamily="18" charset="0"/>
+                <a:cs typeface="Arial" panose="020B0604020202020204" pitchFamily="34" charset="0"/>
+              </a:rPr>
+              <a:t>A</a:t>
+            </a:r>
+          </a:p>
+        </p:txBody>
+      </p:sp>
+      <p:cxnSp>
+        <p:nvCxnSpPr>
+          <p:cNvPr id="4" name="Straight Connector 3">
+            <a:extLst>
+              <a:ext uri="{FF2B5EF4-FFF2-40B4-BE49-F238E27FC236}">
+                <a16:creationId xmlns:a16="http://schemas.microsoft.com/office/drawing/2014/main" id="{E0446FE3-9E1D-3C40-B7DC-4B765545D322}"/>
+              </a:ext>
+            </a:extLst>
+          </p:cNvPr>
+          <p:cNvCxnSpPr>
+            <a:cxnSpLocks/>
+          </p:cNvCxnSpPr>
+          <p:nvPr/>
+        </p:nvCxnSpPr>
+        <p:spPr>
+          <a:xfrm>
+            <a:off x="3792689" y="2788677"/>
+            <a:ext cx="1034928" cy="0"/>
+          </a:xfrm>
+          <a:prstGeom prst="line">
+            <a:avLst/>
+          </a:prstGeom>
+          <a:ln>
+            <a:solidFill>
+              <a:schemeClr val="tx1"/>
+            </a:solidFill>
+            <a:headEnd type="none"/>
+            <a:tailEnd type="none"/>
+          </a:ln>
+          <a:effectLst/>
+        </p:spPr>
+        <p:style>
+          <a:lnRef idx="2">
+            <a:schemeClr val="accent1"/>
+          </a:lnRef>
+          <a:fillRef idx="0">
+            <a:schemeClr val="accent1"/>
+          </a:fillRef>
+          <a:effectRef idx="1">
+            <a:schemeClr val="accent1"/>
+          </a:effectRef>
+          <a:fontRef idx="minor">
+            <a:schemeClr val="tx1"/>
+          </a:fontRef>
+        </p:style>
+      </p:cxnSp>
+      <p:cxnSp>
+        <p:nvCxnSpPr>
+          <p:cNvPr id="5" name="Straight Connector 4">
+            <a:extLst>
+              <a:ext uri="{FF2B5EF4-FFF2-40B4-BE49-F238E27FC236}">
+                <a16:creationId xmlns:a16="http://schemas.microsoft.com/office/drawing/2014/main" id="{A18F14FC-7E6D-7A46-89E2-2D6A89CC0E46}"/>
+              </a:ext>
+            </a:extLst>
+          </p:cNvPr>
+          <p:cNvCxnSpPr>
+            <a:cxnSpLocks/>
+          </p:cNvCxnSpPr>
+          <p:nvPr/>
+        </p:nvCxnSpPr>
+        <p:spPr>
+          <a:xfrm flipV="1">
+            <a:off x="4644541" y="2105211"/>
+            <a:ext cx="379404" cy="690554"/>
+          </a:xfrm>
+          <a:prstGeom prst="line">
+            <a:avLst/>
+          </a:prstGeom>
+          <a:ln>
+            <a:solidFill>
+              <a:schemeClr val="tx1"/>
+            </a:solidFill>
+            <a:headEnd type="none"/>
+            <a:tailEnd type="triangle"/>
+          </a:ln>
+          <a:effectLst/>
+        </p:spPr>
+        <p:style>
+          <a:lnRef idx="2">
+            <a:schemeClr val="accent1"/>
+          </a:lnRef>
+          <a:fillRef idx="0">
+            <a:schemeClr val="accent1"/>
+          </a:fillRef>
+          <a:effectRef idx="1">
+            <a:schemeClr val="accent1"/>
+          </a:effectRef>
+          <a:fontRef idx="minor">
+            <a:schemeClr val="tx1"/>
+          </a:fontRef>
+        </p:style>
+      </p:cxnSp>
+      <p:sp>
+        <p:nvSpPr>
+          <p:cNvPr id="6" name="Oval 5">
+            <a:extLst>
+              <a:ext uri="{FF2B5EF4-FFF2-40B4-BE49-F238E27FC236}">
+                <a16:creationId xmlns:a16="http://schemas.microsoft.com/office/drawing/2014/main" id="{65E74148-92F0-414C-8AEE-95330535F5FC}"/>
+              </a:ext>
+            </a:extLst>
+          </p:cNvPr>
+          <p:cNvSpPr/>
+          <p:nvPr/>
+        </p:nvSpPr>
+        <p:spPr>
+          <a:xfrm>
+            <a:off x="4827617" y="1514450"/>
+            <a:ext cx="742216" cy="486062"/>
+          </a:xfrm>
+          <a:prstGeom prst="ellipse">
+            <a:avLst/>
+          </a:prstGeom>
+          <a:solidFill>
+            <a:srgbClr val="FFFFFF"/>
+          </a:solidFill>
+          <a:ln w="28575" cmpd="sng">
+            <a:solidFill>
+              <a:srgbClr val="00B050"/>
+            </a:solidFill>
+          </a:ln>
+        </p:spPr>
+        <p:style>
+          <a:lnRef idx="1">
+            <a:schemeClr val="accent1"/>
+          </a:lnRef>
+          <a:fillRef idx="3">
+            <a:schemeClr val="accent1"/>
+          </a:fillRef>
+          <a:effectRef idx="2">
+            <a:schemeClr val="accent1"/>
+          </a:effectRef>
+          <a:fontRef idx="minor">
+            <a:schemeClr val="lt1"/>
+          </a:fontRef>
+        </p:style>
+        <p:txBody>
+          <a:bodyPr rtlCol="0" anchor="ctr"/>
+          <a:lstStyle/>
+          <a:p>
+            <a:pPr algn="ctr"/>
+            <a:r>
+              <a:rPr lang="en-US" i="1" dirty="0">
+                <a:solidFill>
+                  <a:schemeClr val="tx1"/>
+                </a:solidFill>
+                <a:latin typeface="Cambria Math" panose="02040503050406030204" pitchFamily="18" charset="0"/>
+                <a:ea typeface="Cambria Math" panose="02040503050406030204" pitchFamily="18" charset="0"/>
+                <a:cs typeface="Arial" panose="020B0604020202020204" pitchFamily="34" charset="0"/>
+              </a:rPr>
+              <a:t>E</a:t>
+            </a:r>
+          </a:p>
+        </p:txBody>
+      </p:sp>
+      <p:sp>
+        <p:nvSpPr>
+          <p:cNvPr id="7" name="Oval 6">
+            <a:extLst>
+              <a:ext uri="{FF2B5EF4-FFF2-40B4-BE49-F238E27FC236}">
+                <a16:creationId xmlns:a16="http://schemas.microsoft.com/office/drawing/2014/main" id="{C19682A8-59BC-A64D-9816-28270C991060}"/>
+              </a:ext>
+            </a:extLst>
+          </p:cNvPr>
+          <p:cNvSpPr/>
+          <p:nvPr/>
+        </p:nvSpPr>
+        <p:spPr>
+          <a:xfrm>
+            <a:off x="5694496" y="1888518"/>
+            <a:ext cx="742216" cy="486062"/>
+          </a:xfrm>
+          <a:prstGeom prst="ellipse">
+            <a:avLst/>
+          </a:prstGeom>
+          <a:solidFill>
+            <a:srgbClr val="FFFFFF"/>
+          </a:solidFill>
+          <a:ln w="28575" cmpd="sng">
+            <a:solidFill>
+              <a:srgbClr val="AB7942"/>
+            </a:solidFill>
+          </a:ln>
+        </p:spPr>
+        <p:style>
+          <a:lnRef idx="1">
+            <a:schemeClr val="accent1"/>
+          </a:lnRef>
+          <a:fillRef idx="3">
+            <a:schemeClr val="accent1"/>
+          </a:fillRef>
+          <a:effectRef idx="2">
+            <a:schemeClr val="accent1"/>
+          </a:effectRef>
+          <a:fontRef idx="minor">
+            <a:schemeClr val="lt1"/>
+          </a:fontRef>
+        </p:style>
+        <p:txBody>
+          <a:bodyPr rtlCol="0" anchor="ctr"/>
+          <a:lstStyle/>
+          <a:p>
+            <a:pPr algn="ctr"/>
+            <a:r>
+              <a:rPr lang="en-US" i="1" dirty="0">
+                <a:solidFill>
+                  <a:schemeClr val="tx1"/>
+                </a:solidFill>
+                <a:latin typeface="Cambria Math" panose="02040503050406030204" pitchFamily="18" charset="0"/>
+                <a:ea typeface="Cambria Math" panose="02040503050406030204" pitchFamily="18" charset="0"/>
+                <a:cs typeface="Arial" panose="020B0604020202020204" pitchFamily="34" charset="0"/>
+              </a:rPr>
+              <a:t>Q</a:t>
+            </a:r>
+          </a:p>
+        </p:txBody>
+      </p:sp>
+      <p:sp>
+        <p:nvSpPr>
+          <p:cNvPr id="9" name="Oval 8">
+            <a:extLst>
+              <a:ext uri="{FF2B5EF4-FFF2-40B4-BE49-F238E27FC236}">
+                <a16:creationId xmlns:a16="http://schemas.microsoft.com/office/drawing/2014/main" id="{DF2BCB0C-CA19-EF4A-8497-8C0B24378823}"/>
+              </a:ext>
+            </a:extLst>
+          </p:cNvPr>
+          <p:cNvSpPr/>
+          <p:nvPr/>
+        </p:nvSpPr>
+        <p:spPr>
+          <a:xfrm>
+            <a:off x="5718745" y="3169942"/>
+            <a:ext cx="742216" cy="486062"/>
+          </a:xfrm>
+          <a:prstGeom prst="ellipse">
+            <a:avLst/>
+          </a:prstGeom>
+          <a:solidFill>
+            <a:srgbClr val="FFFFFF"/>
+          </a:solidFill>
+          <a:ln w="28575" cmpd="sng">
+            <a:solidFill>
+              <a:srgbClr val="FF0000"/>
+            </a:solidFill>
+          </a:ln>
+        </p:spPr>
+        <p:style>
+          <a:lnRef idx="1">
+            <a:schemeClr val="accent1"/>
+          </a:lnRef>
+          <a:fillRef idx="3">
+            <a:schemeClr val="accent1"/>
+          </a:fillRef>
+          <a:effectRef idx="2">
+            <a:schemeClr val="accent1"/>
+          </a:effectRef>
+          <a:fontRef idx="minor">
+            <a:schemeClr val="lt1"/>
+          </a:fontRef>
+        </p:style>
+        <p:txBody>
+          <a:bodyPr rtlCol="0" anchor="ctr"/>
+          <a:lstStyle/>
+          <a:p>
+            <a:pPr algn="ctr"/>
+            <a:r>
+              <a:rPr lang="en-US" i="1" dirty="0">
+                <a:solidFill>
+                  <a:schemeClr val="tx1"/>
+                </a:solidFill>
+                <a:latin typeface="Cambria Math" panose="02040503050406030204" pitchFamily="18" charset="0"/>
+                <a:ea typeface="Cambria Math" panose="02040503050406030204" pitchFamily="18" charset="0"/>
+                <a:cs typeface="Arial" panose="020B0604020202020204" pitchFamily="34" charset="0"/>
+              </a:rPr>
+              <a:t>X</a:t>
+            </a:r>
+          </a:p>
+        </p:txBody>
+      </p:sp>
+      <p:cxnSp>
+        <p:nvCxnSpPr>
+          <p:cNvPr id="11" name="Straight Connector 10">
+            <a:extLst>
+              <a:ext uri="{FF2B5EF4-FFF2-40B4-BE49-F238E27FC236}">
+                <a16:creationId xmlns:a16="http://schemas.microsoft.com/office/drawing/2014/main" id="{4D76FDFB-B24F-5B47-A755-A340DAC9D385}"/>
+              </a:ext>
+            </a:extLst>
+          </p:cNvPr>
+          <p:cNvCxnSpPr>
+            <a:cxnSpLocks/>
+          </p:cNvCxnSpPr>
+          <p:nvPr/>
+        </p:nvCxnSpPr>
+        <p:spPr>
+          <a:xfrm flipV="1">
+            <a:off x="2488557" y="2779498"/>
+            <a:ext cx="545258" cy="9178"/>
+          </a:xfrm>
+          <a:prstGeom prst="line">
+            <a:avLst/>
+          </a:prstGeom>
+          <a:ln>
+            <a:solidFill>
+              <a:schemeClr val="tx1"/>
+            </a:solidFill>
+            <a:headEnd type="none"/>
+            <a:tailEnd type="triangle"/>
+          </a:ln>
+          <a:effectLst/>
+        </p:spPr>
+        <p:style>
+          <a:lnRef idx="2">
+            <a:schemeClr val="accent1"/>
+          </a:lnRef>
+          <a:fillRef idx="0">
+            <a:schemeClr val="accent1"/>
+          </a:fillRef>
+          <a:effectRef idx="1">
+            <a:schemeClr val="accent1"/>
+          </a:effectRef>
+          <a:fontRef idx="minor">
+            <a:schemeClr val="tx1"/>
+          </a:fontRef>
+        </p:style>
+      </p:cxnSp>
+      <p:sp>
+        <p:nvSpPr>
+          <p:cNvPr id="15" name="Freeform 14">
+            <a:extLst>
+              <a:ext uri="{FF2B5EF4-FFF2-40B4-BE49-F238E27FC236}">
+                <a16:creationId xmlns:a16="http://schemas.microsoft.com/office/drawing/2014/main" id="{A672CCF1-2B3A-7D43-8272-0915D417B45E}"/>
+              </a:ext>
+            </a:extLst>
+          </p:cNvPr>
+          <p:cNvSpPr/>
+          <p:nvPr/>
+        </p:nvSpPr>
+        <p:spPr>
+          <a:xfrm>
+            <a:off x="2841840" y="1764736"/>
+            <a:ext cx="1886166" cy="849163"/>
+          </a:xfrm>
+          <a:custGeom>
+            <a:avLst/>
+            <a:gdLst>
+              <a:gd name="connsiteX0" fmla="*/ 1561446 w 1561446"/>
+              <a:gd name="connsiteY0" fmla="*/ 0 h 1006233"/>
+              <a:gd name="connsiteX1" fmla="*/ 6940 w 1561446"/>
+              <a:gd name="connsiteY1" fmla="*/ 13879 h 1006233"/>
+              <a:gd name="connsiteX2" fmla="*/ 0 w 1561446"/>
+              <a:gd name="connsiteY2" fmla="*/ 1006233 h 1006233"/>
+            </a:gdLst>
+            <a:ahLst/>
+            <a:cxnLst>
+              <a:cxn ang="0">
+                <a:pos x="connsiteX0" y="connsiteY0"/>
+              </a:cxn>
+              <a:cxn ang="0">
+                <a:pos x="connsiteX1" y="connsiteY1"/>
+              </a:cxn>
+              <a:cxn ang="0">
+                <a:pos x="connsiteX2" y="connsiteY2"/>
+              </a:cxn>
+            </a:cxnLst>
+            <a:rect l="l" t="t" r="r" b="b"/>
+            <a:pathLst>
+              <a:path w="1561446" h="1006233">
+                <a:moveTo>
+                  <a:pt x="1561446" y="0"/>
+                </a:moveTo>
+                <a:lnTo>
+                  <a:pt x="6940" y="13879"/>
+                </a:lnTo>
+                <a:cubicBezTo>
+                  <a:pt x="4627" y="344664"/>
+                  <a:pt x="2313" y="675448"/>
+                  <a:pt x="0" y="1006233"/>
+                </a:cubicBezTo>
+              </a:path>
+            </a:pathLst>
+          </a:custGeom>
+          <a:ln>
+            <a:solidFill>
+              <a:schemeClr val="bg1">
+                <a:lumMod val="50000"/>
+              </a:schemeClr>
+            </a:solidFill>
+            <a:prstDash val="sysDash"/>
+            <a:headEnd type="none"/>
+            <a:tailEnd type="triangle"/>
+          </a:ln>
+          <a:effectLst/>
+        </p:spPr>
+        <p:style>
+          <a:lnRef idx="2">
+            <a:schemeClr val="accent1"/>
+          </a:lnRef>
+          <a:fillRef idx="0">
+            <a:schemeClr val="accent1"/>
+          </a:fillRef>
+          <a:effectRef idx="1">
+            <a:schemeClr val="accent1"/>
+          </a:effectRef>
+          <a:fontRef idx="minor">
+            <a:schemeClr val="tx1"/>
+          </a:fontRef>
+        </p:style>
+        <p:txBody>
+          <a:bodyPr rtlCol="0" anchor="ctr"/>
+          <a:lstStyle/>
+          <a:p>
+            <a:pPr algn="ctr"/>
+            <a:endParaRPr lang="en-US">
+              <a:latin typeface="Arial" panose="020B0604020202020204" pitchFamily="34" charset="0"/>
+              <a:cs typeface="Arial" panose="020B0604020202020204" pitchFamily="34" charset="0"/>
+            </a:endParaRPr>
+          </a:p>
+        </p:txBody>
+      </p:sp>
+      <p:sp>
+        <p:nvSpPr>
+          <p:cNvPr id="17" name="Rounded Rectangle 16">
+            <a:extLst>
+              <a:ext uri="{FF2B5EF4-FFF2-40B4-BE49-F238E27FC236}">
+                <a16:creationId xmlns:a16="http://schemas.microsoft.com/office/drawing/2014/main" id="{E3C2D934-14EB-3747-A7FC-446741605A0D}"/>
+              </a:ext>
+            </a:extLst>
+          </p:cNvPr>
+          <p:cNvSpPr/>
+          <p:nvPr/>
+        </p:nvSpPr>
+        <p:spPr>
+          <a:xfrm>
+            <a:off x="2705356" y="1200717"/>
+            <a:ext cx="5879272" cy="3390814"/>
+          </a:xfrm>
+          <a:prstGeom prst="roundRect">
+            <a:avLst>
+              <a:gd name="adj" fmla="val 16423"/>
+            </a:avLst>
+          </a:prstGeom>
+          <a:noFill/>
+          <a:ln w="28575" cmpd="sng">
+            <a:solidFill>
+              <a:schemeClr val="tx1">
+                <a:lumMod val="50000"/>
+                <a:lumOff val="50000"/>
+              </a:schemeClr>
+            </a:solidFill>
+          </a:ln>
+          <a:effectLst/>
+        </p:spPr>
+        <p:style>
+          <a:lnRef idx="1">
+            <a:schemeClr val="accent1"/>
+          </a:lnRef>
+          <a:fillRef idx="3">
+            <a:schemeClr val="accent1"/>
+          </a:fillRef>
+          <a:effectRef idx="2">
+            <a:schemeClr val="accent1"/>
+          </a:effectRef>
+          <a:fontRef idx="minor">
+            <a:schemeClr val="lt1"/>
+          </a:fontRef>
+        </p:style>
+        <p:txBody>
+          <a:bodyPr rtlCol="0" anchor="ctr"/>
+          <a:lstStyle/>
+          <a:p>
+            <a:pPr algn="ctr"/>
+            <a:endParaRPr lang="en-US">
+              <a:latin typeface="Arial" panose="020B0604020202020204" pitchFamily="34" charset="0"/>
+              <a:cs typeface="Arial" panose="020B0604020202020204" pitchFamily="34" charset="0"/>
+            </a:endParaRPr>
+          </a:p>
+        </p:txBody>
+      </p:sp>
+      <p:sp>
+        <p:nvSpPr>
+          <p:cNvPr id="18" name="TextBox 17">
+            <a:extLst>
+              <a:ext uri="{FF2B5EF4-FFF2-40B4-BE49-F238E27FC236}">
+                <a16:creationId xmlns:a16="http://schemas.microsoft.com/office/drawing/2014/main" id="{4710A902-A3FE-3D45-9F4A-E91642DA80FC}"/>
+              </a:ext>
+            </a:extLst>
+          </p:cNvPr>
+          <p:cNvSpPr txBox="1"/>
+          <p:nvPr/>
+        </p:nvSpPr>
+        <p:spPr>
+          <a:xfrm>
+            <a:off x="5594084" y="1394693"/>
+            <a:ext cx="2762159" cy="307777"/>
+          </a:xfrm>
+          <a:prstGeom prst="rect">
+            <a:avLst/>
+          </a:prstGeom>
+          <a:solidFill>
+            <a:srgbClr val="FFFFFF"/>
+          </a:solidFill>
+          <a:ln w="19050" cmpd="sng">
+            <a:noFill/>
+          </a:ln>
+        </p:spPr>
+        <p:txBody>
+          <a:bodyPr wrap="square" rtlCol="0" anchor="ctr">
+            <a:spAutoFit/>
+          </a:bodyPr>
+          <a:lstStyle/>
+          <a:p>
+            <a:r>
+              <a:rPr lang="en-US" sz="1400" dirty="0">
+                <a:latin typeface="Arial" panose="020B0604020202020204" pitchFamily="34" charset="0"/>
+                <a:cs typeface="Arial" panose="020B0604020202020204" pitchFamily="34" charset="0"/>
+              </a:rPr>
+              <a:t>Transport and metabolism</a:t>
+            </a:r>
+            <a:endParaRPr lang="en-US" sz="1400" baseline="-25000" dirty="0">
+              <a:latin typeface="Arial" panose="020B0604020202020204" pitchFamily="34" charset="0"/>
+              <a:cs typeface="Arial" panose="020B0604020202020204" pitchFamily="34" charset="0"/>
+            </a:endParaRPr>
+          </a:p>
+        </p:txBody>
+      </p:sp>
+      <p:sp>
+        <p:nvSpPr>
+          <p:cNvPr id="19" name="TextBox 18">
+            <a:extLst>
+              <a:ext uri="{FF2B5EF4-FFF2-40B4-BE49-F238E27FC236}">
+                <a16:creationId xmlns:a16="http://schemas.microsoft.com/office/drawing/2014/main" id="{17DB595E-6FB7-9E4C-AEA5-AF7E1EE8C198}"/>
+              </a:ext>
+            </a:extLst>
+          </p:cNvPr>
+          <p:cNvSpPr txBox="1"/>
+          <p:nvPr/>
+        </p:nvSpPr>
+        <p:spPr>
+          <a:xfrm>
+            <a:off x="6519267" y="1967953"/>
+            <a:ext cx="1691510" cy="307777"/>
+          </a:xfrm>
+          <a:prstGeom prst="rect">
+            <a:avLst/>
+          </a:prstGeom>
+          <a:solidFill>
+            <a:srgbClr val="FFFFFF"/>
+          </a:solidFill>
+          <a:ln w="19050" cmpd="sng">
+            <a:noFill/>
+          </a:ln>
+        </p:spPr>
+        <p:txBody>
+          <a:bodyPr wrap="square" rtlCol="0" anchor="ctr">
+            <a:spAutoFit/>
+          </a:bodyPr>
+          <a:lstStyle/>
+          <a:p>
+            <a:r>
+              <a:rPr lang="en-US" sz="1400" dirty="0">
+                <a:latin typeface="Arial" panose="020B0604020202020204" pitchFamily="34" charset="0"/>
+                <a:cs typeface="Arial" panose="020B0604020202020204" pitchFamily="34" charset="0"/>
+              </a:rPr>
+              <a:t>Housekeeping</a:t>
+            </a:r>
+            <a:endParaRPr lang="en-US" sz="1400" baseline="-25000" dirty="0">
+              <a:latin typeface="Arial" panose="020B0604020202020204" pitchFamily="34" charset="0"/>
+              <a:cs typeface="Arial" panose="020B0604020202020204" pitchFamily="34" charset="0"/>
+            </a:endParaRPr>
+          </a:p>
+        </p:txBody>
+      </p:sp>
+      <p:sp>
+        <p:nvSpPr>
+          <p:cNvPr id="20" name="TextBox 19">
+            <a:extLst>
+              <a:ext uri="{FF2B5EF4-FFF2-40B4-BE49-F238E27FC236}">
+                <a16:creationId xmlns:a16="http://schemas.microsoft.com/office/drawing/2014/main" id="{4FA0CED5-309E-7244-91B4-C4726DC6D524}"/>
+              </a:ext>
+            </a:extLst>
+          </p:cNvPr>
+          <p:cNvSpPr txBox="1"/>
+          <p:nvPr/>
+        </p:nvSpPr>
+        <p:spPr>
+          <a:xfrm>
+            <a:off x="7058708" y="3790418"/>
+            <a:ext cx="1441442" cy="523220"/>
+          </a:xfrm>
+          <a:prstGeom prst="rect">
+            <a:avLst/>
+          </a:prstGeom>
+          <a:noFill/>
+          <a:ln w="19050" cmpd="sng">
+            <a:noFill/>
+          </a:ln>
+        </p:spPr>
+        <p:txBody>
+          <a:bodyPr wrap="square" rtlCol="0" anchor="ctr">
+            <a:spAutoFit/>
+          </a:bodyPr>
+          <a:lstStyle/>
+          <a:p>
+            <a:pPr algn="ctr"/>
+            <a:r>
+              <a:rPr lang="en-US" sz="1400" dirty="0">
+                <a:latin typeface="Arial" panose="020B0604020202020204" pitchFamily="34" charset="0"/>
+                <a:cs typeface="Arial" panose="020B0604020202020204" pitchFamily="34" charset="0"/>
+              </a:rPr>
+              <a:t>Protein synthesis</a:t>
+            </a:r>
+            <a:endParaRPr lang="en-US" sz="1400" baseline="-25000" dirty="0">
+              <a:latin typeface="Arial" panose="020B0604020202020204" pitchFamily="34" charset="0"/>
+              <a:cs typeface="Arial" panose="020B0604020202020204" pitchFamily="34" charset="0"/>
+            </a:endParaRPr>
+          </a:p>
+        </p:txBody>
+      </p:sp>
+      <p:sp>
+        <p:nvSpPr>
+          <p:cNvPr id="23" name="Oval 22">
+            <a:extLst>
+              <a:ext uri="{FF2B5EF4-FFF2-40B4-BE49-F238E27FC236}">
+                <a16:creationId xmlns:a16="http://schemas.microsoft.com/office/drawing/2014/main" id="{AD539DE2-BD1A-6048-BC21-134FA9DAD78E}"/>
+              </a:ext>
+            </a:extLst>
+          </p:cNvPr>
+          <p:cNvSpPr/>
+          <p:nvPr/>
+        </p:nvSpPr>
+        <p:spPr>
+          <a:xfrm>
+            <a:off x="6073741" y="2529230"/>
+            <a:ext cx="742216" cy="486062"/>
+          </a:xfrm>
+          <a:prstGeom prst="ellipse">
+            <a:avLst/>
+          </a:prstGeom>
+          <a:noFill/>
+          <a:ln w="28575" cmpd="sng">
+            <a:solidFill>
+              <a:schemeClr val="accent3"/>
+            </a:solidFill>
+          </a:ln>
+        </p:spPr>
+        <p:style>
+          <a:lnRef idx="1">
+            <a:schemeClr val="accent1"/>
+          </a:lnRef>
+          <a:fillRef idx="3">
+            <a:schemeClr val="accent1"/>
+          </a:fillRef>
+          <a:effectRef idx="2">
+            <a:schemeClr val="accent1"/>
+          </a:effectRef>
+          <a:fontRef idx="minor">
+            <a:schemeClr val="lt1"/>
+          </a:fontRef>
+        </p:style>
+        <p:txBody>
+          <a:bodyPr rtlCol="0" anchor="ctr"/>
+          <a:lstStyle/>
+          <a:p>
+            <a:pPr algn="ctr"/>
+            <a:r>
+              <a:rPr lang="en-US" i="1" dirty="0">
+                <a:solidFill>
+                  <a:schemeClr val="tx1"/>
+                </a:solidFill>
+                <a:latin typeface="Cambria Math" panose="02040503050406030204" pitchFamily="18" charset="0"/>
+                <a:ea typeface="Cambria Math" panose="02040503050406030204" pitchFamily="18" charset="0"/>
+                <a:cs typeface="Arial" panose="020B0604020202020204" pitchFamily="34" charset="0"/>
+              </a:rPr>
+              <a:t>U</a:t>
+            </a:r>
+          </a:p>
+        </p:txBody>
+      </p:sp>
+      <p:sp>
+        <p:nvSpPr>
+          <p:cNvPr id="24" name="TextBox 23">
+            <a:extLst>
+              <a:ext uri="{FF2B5EF4-FFF2-40B4-BE49-F238E27FC236}">
+                <a16:creationId xmlns:a16="http://schemas.microsoft.com/office/drawing/2014/main" id="{C7E17BBB-2101-314D-BACD-CE6707322EF7}"/>
+              </a:ext>
+            </a:extLst>
+          </p:cNvPr>
+          <p:cNvSpPr txBox="1"/>
+          <p:nvPr/>
+        </p:nvSpPr>
+        <p:spPr>
+          <a:xfrm>
+            <a:off x="6756435" y="2612167"/>
+            <a:ext cx="1869311" cy="307777"/>
+          </a:xfrm>
+          <a:prstGeom prst="rect">
+            <a:avLst/>
+          </a:prstGeom>
+          <a:noFill/>
+          <a:ln w="19050" cmpd="sng">
+            <a:noFill/>
+          </a:ln>
+        </p:spPr>
+        <p:txBody>
+          <a:bodyPr wrap="square" rtlCol="0" anchor="ctr">
+            <a:spAutoFit/>
+          </a:bodyPr>
+          <a:lstStyle/>
+          <a:p>
+            <a:pPr algn="ctr"/>
+            <a:r>
+              <a:rPr lang="en-US" sz="1400" dirty="0">
+                <a:latin typeface="Arial" panose="020B0604020202020204" pitchFamily="34" charset="0"/>
+                <a:cs typeface="Arial" panose="020B0604020202020204" pitchFamily="34" charset="0"/>
+              </a:rPr>
+              <a:t>Useless proteins</a:t>
+            </a:r>
+            <a:endParaRPr lang="en-US" sz="1400" baseline="-25000" dirty="0">
+              <a:latin typeface="Arial" panose="020B0604020202020204" pitchFamily="34" charset="0"/>
+              <a:cs typeface="Arial" panose="020B0604020202020204" pitchFamily="34" charset="0"/>
+            </a:endParaRPr>
+          </a:p>
+        </p:txBody>
+      </p:sp>
+      <p:sp>
+        <p:nvSpPr>
+          <p:cNvPr id="27" name="Oval 26">
+            <a:extLst>
+              <a:ext uri="{FF2B5EF4-FFF2-40B4-BE49-F238E27FC236}">
+                <a16:creationId xmlns:a16="http://schemas.microsoft.com/office/drawing/2014/main" id="{EACED98A-9FB4-8247-BDF4-30E4903D2CF7}"/>
+              </a:ext>
+            </a:extLst>
+          </p:cNvPr>
+          <p:cNvSpPr/>
+          <p:nvPr/>
+        </p:nvSpPr>
+        <p:spPr>
+          <a:xfrm>
+            <a:off x="4698318" y="3776598"/>
+            <a:ext cx="945178" cy="486062"/>
+          </a:xfrm>
+          <a:prstGeom prst="ellipse">
+            <a:avLst/>
+          </a:prstGeom>
+          <a:noFill/>
+          <a:ln w="28575" cmpd="sng">
+            <a:solidFill>
+              <a:schemeClr val="bg1">
+                <a:lumMod val="50000"/>
+              </a:schemeClr>
+            </a:solidFill>
+          </a:ln>
+        </p:spPr>
+        <p:style>
+          <a:lnRef idx="1">
+            <a:schemeClr val="accent1"/>
+          </a:lnRef>
+          <a:fillRef idx="3">
+            <a:schemeClr val="accent1"/>
+          </a:fillRef>
+          <a:effectRef idx="2">
+            <a:schemeClr val="accent1"/>
+          </a:effectRef>
+          <a:fontRef idx="minor">
+            <a:schemeClr val="lt1"/>
+          </a:fontRef>
+        </p:style>
+        <p:txBody>
+          <a:bodyPr rtlCol="0" anchor="ctr"/>
+          <a:lstStyle/>
+          <a:p>
+            <a:pPr algn="ctr"/>
+            <a:r>
+              <a:rPr lang="en-US" sz="1600" i="1" dirty="0" err="1">
+                <a:solidFill>
+                  <a:schemeClr val="tx1"/>
+                </a:solidFill>
+                <a:latin typeface="Cambria Math" panose="02040503050406030204" pitchFamily="18" charset="0"/>
+                <a:ea typeface="Cambria Math" panose="02040503050406030204" pitchFamily="18" charset="0"/>
+                <a:cs typeface="Arial" panose="020B0604020202020204" pitchFamily="34" charset="0"/>
+              </a:rPr>
+              <a:t>R</a:t>
+            </a:r>
+            <a:r>
+              <a:rPr lang="en-US" sz="1600" i="1" baseline="-25000" dirty="0" err="1">
+                <a:solidFill>
+                  <a:schemeClr val="tx1"/>
+                </a:solidFill>
+                <a:latin typeface="Cambria Math" panose="02040503050406030204" pitchFamily="18" charset="0"/>
+                <a:ea typeface="Cambria Math" panose="02040503050406030204" pitchFamily="18" charset="0"/>
+                <a:cs typeface="Arial" panose="020B0604020202020204" pitchFamily="34" charset="0"/>
+              </a:rPr>
+              <a:t>total</a:t>
+            </a:r>
+            <a:endParaRPr lang="en-US" sz="1600" i="1" baseline="-25000" dirty="0">
+              <a:solidFill>
+                <a:schemeClr val="tx1"/>
+              </a:solidFill>
+              <a:latin typeface="Cambria Math" panose="02040503050406030204" pitchFamily="18" charset="0"/>
+              <a:ea typeface="Cambria Math" panose="02040503050406030204" pitchFamily="18" charset="0"/>
+              <a:cs typeface="Arial" panose="020B0604020202020204" pitchFamily="34" charset="0"/>
+            </a:endParaRPr>
+          </a:p>
+        </p:txBody>
+      </p:sp>
+      <p:sp>
+        <p:nvSpPr>
+          <p:cNvPr id="28" name="Oval 27">
+            <a:extLst>
+              <a:ext uri="{FF2B5EF4-FFF2-40B4-BE49-F238E27FC236}">
+                <a16:creationId xmlns:a16="http://schemas.microsoft.com/office/drawing/2014/main" id="{C714BB76-58B1-124F-9A29-ACF25B559C54}"/>
+              </a:ext>
+            </a:extLst>
+          </p:cNvPr>
+          <p:cNvSpPr/>
+          <p:nvPr/>
+        </p:nvSpPr>
+        <p:spPr>
+          <a:xfrm>
+            <a:off x="5984439" y="3778654"/>
+            <a:ext cx="1135779" cy="486062"/>
+          </a:xfrm>
+          <a:prstGeom prst="ellipse">
+            <a:avLst/>
+          </a:prstGeom>
+          <a:noFill/>
+          <a:ln w="28575" cmpd="sng">
+            <a:solidFill>
+              <a:srgbClr val="0000FF"/>
+            </a:solidFill>
+            <a:prstDash val="sysDash"/>
+          </a:ln>
+        </p:spPr>
+        <p:style>
+          <a:lnRef idx="1">
+            <a:schemeClr val="accent1"/>
+          </a:lnRef>
+          <a:fillRef idx="3">
+            <a:schemeClr val="accent1"/>
+          </a:fillRef>
+          <a:effectRef idx="2">
+            <a:schemeClr val="accent1"/>
+          </a:effectRef>
+          <a:fontRef idx="minor">
+            <a:schemeClr val="lt1"/>
+          </a:fontRef>
+        </p:style>
+        <p:txBody>
+          <a:bodyPr rtlCol="0" anchor="ctr"/>
+          <a:lstStyle/>
+          <a:p>
+            <a:pPr algn="ctr"/>
+            <a:r>
+              <a:rPr lang="en-US" sz="1600" i="1" dirty="0" err="1">
+                <a:solidFill>
+                  <a:schemeClr val="tx1"/>
+                </a:solidFill>
+                <a:latin typeface="Cambria Math" panose="02040503050406030204" pitchFamily="18" charset="0"/>
+                <a:ea typeface="Cambria Math" panose="02040503050406030204" pitchFamily="18" charset="0"/>
+                <a:cs typeface="Arial" panose="020B0604020202020204" pitchFamily="34" charset="0"/>
+              </a:rPr>
+              <a:t>R</a:t>
+            </a:r>
+            <a:r>
+              <a:rPr lang="en-US" sz="1600" i="1" baseline="-25000" dirty="0" err="1">
+                <a:solidFill>
+                  <a:schemeClr val="tx1"/>
+                </a:solidFill>
+                <a:latin typeface="Cambria Math" panose="02040503050406030204" pitchFamily="18" charset="0"/>
+                <a:ea typeface="Cambria Math" panose="02040503050406030204" pitchFamily="18" charset="0"/>
+                <a:cs typeface="Arial" panose="020B0604020202020204" pitchFamily="34" charset="0"/>
+              </a:rPr>
+              <a:t>inactive</a:t>
+            </a:r>
+            <a:endParaRPr lang="en-US" sz="1600" i="1" baseline="-25000" dirty="0">
+              <a:solidFill>
+                <a:schemeClr val="tx1"/>
+              </a:solidFill>
+              <a:latin typeface="Cambria Math" panose="02040503050406030204" pitchFamily="18" charset="0"/>
+              <a:ea typeface="Cambria Math" panose="02040503050406030204" pitchFamily="18" charset="0"/>
+              <a:cs typeface="Arial" panose="020B0604020202020204" pitchFamily="34" charset="0"/>
+            </a:endParaRPr>
+          </a:p>
+        </p:txBody>
+      </p:sp>
+      <p:sp>
+        <p:nvSpPr>
+          <p:cNvPr id="29" name="Oval 28">
+            <a:extLst>
+              <a:ext uri="{FF2B5EF4-FFF2-40B4-BE49-F238E27FC236}">
+                <a16:creationId xmlns:a16="http://schemas.microsoft.com/office/drawing/2014/main" id="{759F6824-9702-934C-BBE8-1A7639D2F2F0}"/>
+              </a:ext>
+            </a:extLst>
+          </p:cNvPr>
+          <p:cNvSpPr/>
+          <p:nvPr/>
+        </p:nvSpPr>
+        <p:spPr>
+          <a:xfrm>
+            <a:off x="3419681" y="3776598"/>
+            <a:ext cx="994734" cy="486062"/>
+          </a:xfrm>
+          <a:prstGeom prst="ellipse">
+            <a:avLst/>
+          </a:prstGeom>
+          <a:noFill/>
+          <a:ln w="28575" cmpd="sng">
+            <a:solidFill>
+              <a:srgbClr val="0000FF"/>
+            </a:solidFill>
+            <a:prstDash val="solid"/>
+          </a:ln>
+        </p:spPr>
+        <p:style>
+          <a:lnRef idx="1">
+            <a:schemeClr val="accent1"/>
+          </a:lnRef>
+          <a:fillRef idx="3">
+            <a:schemeClr val="accent1"/>
+          </a:fillRef>
+          <a:effectRef idx="2">
+            <a:schemeClr val="accent1"/>
+          </a:effectRef>
+          <a:fontRef idx="minor">
+            <a:schemeClr val="lt1"/>
+          </a:fontRef>
+        </p:style>
+        <p:txBody>
+          <a:bodyPr rtlCol="0" anchor="ctr"/>
+          <a:lstStyle/>
+          <a:p>
+            <a:pPr algn="ctr"/>
+            <a:r>
+              <a:rPr lang="en-US" i="1" dirty="0" err="1">
+                <a:solidFill>
+                  <a:schemeClr val="tx1"/>
+                </a:solidFill>
+                <a:latin typeface="Cambria Math" panose="02040503050406030204" pitchFamily="18" charset="0"/>
+                <a:ea typeface="Cambria Math" panose="02040503050406030204" pitchFamily="18" charset="0"/>
+                <a:cs typeface="Arial" panose="020B0604020202020204" pitchFamily="34" charset="0"/>
+              </a:rPr>
+              <a:t>R</a:t>
+            </a:r>
+            <a:r>
+              <a:rPr lang="en-US" sz="1600" i="1" baseline="-25000" dirty="0" err="1">
+                <a:solidFill>
+                  <a:schemeClr val="tx1"/>
+                </a:solidFill>
+                <a:latin typeface="Cambria Math" panose="02040503050406030204" pitchFamily="18" charset="0"/>
+                <a:ea typeface="Cambria Math" panose="02040503050406030204" pitchFamily="18" charset="0"/>
+                <a:cs typeface="Arial" panose="020B0604020202020204" pitchFamily="34" charset="0"/>
+              </a:rPr>
+              <a:t>active</a:t>
+            </a:r>
+            <a:endParaRPr lang="en-US" sz="1400" i="1" baseline="-25000" dirty="0">
+              <a:solidFill>
+                <a:schemeClr val="tx1"/>
+              </a:solidFill>
+              <a:latin typeface="Cambria Math" panose="02040503050406030204" pitchFamily="18" charset="0"/>
+              <a:ea typeface="Cambria Math" panose="02040503050406030204" pitchFamily="18" charset="0"/>
+              <a:cs typeface="Arial" panose="020B0604020202020204" pitchFamily="34" charset="0"/>
+            </a:endParaRPr>
+          </a:p>
+        </p:txBody>
+      </p:sp>
+      <p:cxnSp>
+        <p:nvCxnSpPr>
+          <p:cNvPr id="30" name="Straight Arrow Connector 29">
+            <a:extLst>
+              <a:ext uri="{FF2B5EF4-FFF2-40B4-BE49-F238E27FC236}">
+                <a16:creationId xmlns:a16="http://schemas.microsoft.com/office/drawing/2014/main" id="{551D7FE7-0BF6-BB4E-8F0A-C55A43C2AC30}"/>
+              </a:ext>
+            </a:extLst>
+          </p:cNvPr>
+          <p:cNvCxnSpPr>
+            <a:cxnSpLocks/>
+          </p:cNvCxnSpPr>
+          <p:nvPr/>
+        </p:nvCxnSpPr>
+        <p:spPr>
+          <a:xfrm flipV="1">
+            <a:off x="3978098" y="2859269"/>
+            <a:ext cx="0" cy="855569"/>
+          </a:xfrm>
+          <a:prstGeom prst="straightConnector1">
+            <a:avLst/>
+          </a:prstGeom>
+          <a:ln w="12700">
+            <a:solidFill>
+              <a:schemeClr val="bg1">
+                <a:lumMod val="50000"/>
+              </a:schemeClr>
+            </a:solidFill>
+            <a:prstDash val="sysDash"/>
+            <a:tailEnd type="triangle"/>
+          </a:ln>
+        </p:spPr>
+        <p:style>
+          <a:lnRef idx="1">
+            <a:schemeClr val="accent1"/>
+          </a:lnRef>
+          <a:fillRef idx="0">
+            <a:schemeClr val="accent1"/>
+          </a:fillRef>
+          <a:effectRef idx="0">
+            <a:schemeClr val="accent1"/>
+          </a:effectRef>
+          <a:fontRef idx="minor">
+            <a:schemeClr val="tx1"/>
+          </a:fontRef>
+        </p:style>
+      </p:cxnSp>
+      <p:cxnSp>
+        <p:nvCxnSpPr>
+          <p:cNvPr id="31" name="Straight Connector 30">
+            <a:extLst>
+              <a:ext uri="{FF2B5EF4-FFF2-40B4-BE49-F238E27FC236}">
+                <a16:creationId xmlns:a16="http://schemas.microsoft.com/office/drawing/2014/main" id="{DE219F92-AAA0-7941-9DCD-F57B5E9A1C1E}"/>
+              </a:ext>
+            </a:extLst>
+          </p:cNvPr>
+          <p:cNvCxnSpPr>
+            <a:cxnSpLocks/>
+          </p:cNvCxnSpPr>
+          <p:nvPr/>
+        </p:nvCxnSpPr>
+        <p:spPr>
+          <a:xfrm flipH="1">
+            <a:off x="4422076" y="4019199"/>
+            <a:ext cx="234014" cy="0"/>
+          </a:xfrm>
+          <a:prstGeom prst="line">
+            <a:avLst/>
+          </a:prstGeom>
+          <a:ln>
+            <a:solidFill>
+              <a:schemeClr val="tx1"/>
+            </a:solidFill>
+            <a:headEnd type="none"/>
+            <a:tailEnd type="triangle"/>
+          </a:ln>
+          <a:effectLst/>
+        </p:spPr>
+        <p:style>
+          <a:lnRef idx="2">
+            <a:schemeClr val="accent1"/>
+          </a:lnRef>
+          <a:fillRef idx="0">
+            <a:schemeClr val="accent1"/>
+          </a:fillRef>
+          <a:effectRef idx="1">
+            <a:schemeClr val="accent1"/>
+          </a:effectRef>
+          <a:fontRef idx="minor">
+            <a:schemeClr val="tx1"/>
+          </a:fontRef>
+        </p:style>
+      </p:cxnSp>
+      <p:cxnSp>
+        <p:nvCxnSpPr>
+          <p:cNvPr id="32" name="Straight Connector 31">
+            <a:extLst>
+              <a:ext uri="{FF2B5EF4-FFF2-40B4-BE49-F238E27FC236}">
+                <a16:creationId xmlns:a16="http://schemas.microsoft.com/office/drawing/2014/main" id="{6E11FF66-EE74-1545-B992-81094A537873}"/>
+              </a:ext>
+            </a:extLst>
+          </p:cNvPr>
+          <p:cNvCxnSpPr>
+            <a:cxnSpLocks/>
+          </p:cNvCxnSpPr>
+          <p:nvPr/>
+        </p:nvCxnSpPr>
+        <p:spPr>
+          <a:xfrm>
+            <a:off x="5680146" y="4019199"/>
+            <a:ext cx="253082" cy="0"/>
+          </a:xfrm>
+          <a:prstGeom prst="line">
+            <a:avLst/>
+          </a:prstGeom>
+          <a:ln>
+            <a:solidFill>
+              <a:schemeClr val="tx1"/>
+            </a:solidFill>
+            <a:headEnd type="none"/>
+            <a:tailEnd type="triangle"/>
+          </a:ln>
+          <a:effectLst/>
+        </p:spPr>
+        <p:style>
+          <a:lnRef idx="2">
+            <a:schemeClr val="accent1"/>
+          </a:lnRef>
+          <a:fillRef idx="0">
+            <a:schemeClr val="accent1"/>
+          </a:fillRef>
+          <a:effectRef idx="1">
+            <a:schemeClr val="accent1"/>
+          </a:effectRef>
+          <a:fontRef idx="minor">
+            <a:schemeClr val="tx1"/>
+          </a:fontRef>
+        </p:style>
+      </p:cxnSp>
+      <p:sp>
+        <p:nvSpPr>
+          <p:cNvPr id="36" name="Rectangle 35">
+            <a:extLst>
+              <a:ext uri="{FF2B5EF4-FFF2-40B4-BE49-F238E27FC236}">
+                <a16:creationId xmlns:a16="http://schemas.microsoft.com/office/drawing/2014/main" id="{8BA19620-37AA-354F-8F04-B2AD2C34FEE4}"/>
+              </a:ext>
+            </a:extLst>
+          </p:cNvPr>
+          <p:cNvSpPr/>
+          <p:nvPr/>
+        </p:nvSpPr>
+        <p:spPr>
+          <a:xfrm>
+            <a:off x="8867533" y="1382806"/>
+            <a:ext cx="2129122" cy="827584"/>
+          </a:xfrm>
+          <a:prstGeom prst="rect">
+            <a:avLst/>
+          </a:prstGeom>
+          <a:solidFill>
+            <a:schemeClr val="accent6">
+              <a:lumMod val="40000"/>
+              <a:lumOff val="60000"/>
+            </a:schemeClr>
+          </a:solidFill>
+          <a:ln>
+            <a:noFill/>
+          </a:ln>
+        </p:spPr>
+        <p:style>
+          <a:lnRef idx="2">
+            <a:schemeClr val="accent1">
+              <a:shade val="50000"/>
+            </a:schemeClr>
+          </a:lnRef>
+          <a:fillRef idx="1">
+            <a:schemeClr val="accent1"/>
+          </a:fillRef>
+          <a:effectRef idx="0">
+            <a:schemeClr val="accent1"/>
+          </a:effectRef>
+          <a:fontRef idx="minor">
+            <a:schemeClr val="lt1"/>
+          </a:fontRef>
+        </p:style>
+        <p:txBody>
+          <a:bodyPr rtlCol="0" anchor="ctr"/>
+          <a:lstStyle/>
+          <a:p>
+            <a:pPr algn="ctr"/>
+            <a:r>
+              <a:rPr lang="en-US" sz="1400" dirty="0">
+                <a:solidFill>
+                  <a:schemeClr val="tx1"/>
+                </a:solidFill>
+                <a:latin typeface="Arial" panose="020B0604020202020204" pitchFamily="34" charset="0"/>
+                <a:cs typeface="Arial" panose="020B0604020202020204" pitchFamily="34" charset="0"/>
+              </a:rPr>
+              <a:t>Modeling nutrient quality</a:t>
+            </a:r>
+          </a:p>
+        </p:txBody>
+      </p:sp>
+      <p:sp>
+        <p:nvSpPr>
+          <p:cNvPr id="38" name="Rectangle 37">
+            <a:extLst>
+              <a:ext uri="{FF2B5EF4-FFF2-40B4-BE49-F238E27FC236}">
+                <a16:creationId xmlns:a16="http://schemas.microsoft.com/office/drawing/2014/main" id="{9B47ED16-291B-2F42-8804-01CF6B39A251}"/>
+              </a:ext>
+            </a:extLst>
+          </p:cNvPr>
+          <p:cNvSpPr/>
+          <p:nvPr/>
+        </p:nvSpPr>
+        <p:spPr>
+          <a:xfrm>
+            <a:off x="8867533" y="2460446"/>
+            <a:ext cx="2129121" cy="827584"/>
+          </a:xfrm>
+          <a:prstGeom prst="rect">
+            <a:avLst/>
+          </a:prstGeom>
+          <a:solidFill>
+            <a:schemeClr val="accent2">
+              <a:lumMod val="60000"/>
+              <a:lumOff val="40000"/>
+            </a:schemeClr>
+          </a:solidFill>
+          <a:ln>
+            <a:noFill/>
+          </a:ln>
+        </p:spPr>
+        <p:style>
+          <a:lnRef idx="2">
+            <a:schemeClr val="accent1">
+              <a:shade val="50000"/>
+            </a:schemeClr>
+          </a:lnRef>
+          <a:fillRef idx="1">
+            <a:schemeClr val="accent1"/>
+          </a:fillRef>
+          <a:effectRef idx="0">
+            <a:schemeClr val="accent1"/>
+          </a:effectRef>
+          <a:fontRef idx="minor">
+            <a:schemeClr val="lt1"/>
+          </a:fontRef>
+        </p:style>
+        <p:txBody>
+          <a:bodyPr rtlCol="0" anchor="ctr"/>
+          <a:lstStyle/>
+          <a:p>
+            <a:pPr algn="ctr"/>
+            <a:r>
+              <a:rPr lang="en-US" sz="1400" dirty="0">
+                <a:solidFill>
+                  <a:schemeClr val="tx1"/>
+                </a:solidFill>
+                <a:latin typeface="Arial" panose="020B0604020202020204" pitchFamily="34" charset="0"/>
+                <a:cs typeface="Arial" panose="020B0604020202020204" pitchFamily="34" charset="0"/>
+              </a:rPr>
+              <a:t>Modeling expression of useless protein</a:t>
+            </a:r>
+          </a:p>
+        </p:txBody>
+      </p:sp>
+      <p:sp>
+        <p:nvSpPr>
+          <p:cNvPr id="39" name="Rectangle 38">
+            <a:extLst>
+              <a:ext uri="{FF2B5EF4-FFF2-40B4-BE49-F238E27FC236}">
+                <a16:creationId xmlns:a16="http://schemas.microsoft.com/office/drawing/2014/main" id="{20AAE200-46D0-7C45-8EF9-721B23CE101E}"/>
+              </a:ext>
+            </a:extLst>
+          </p:cNvPr>
+          <p:cNvSpPr/>
+          <p:nvPr/>
+        </p:nvSpPr>
+        <p:spPr>
+          <a:xfrm>
+            <a:off x="8867532" y="3515889"/>
+            <a:ext cx="2129121" cy="805733"/>
+          </a:xfrm>
+          <a:prstGeom prst="rect">
+            <a:avLst/>
+          </a:prstGeom>
+          <a:solidFill>
+            <a:schemeClr val="accent1">
+              <a:lumMod val="40000"/>
+              <a:lumOff val="60000"/>
+            </a:schemeClr>
+          </a:solidFill>
+          <a:ln>
+            <a:noFill/>
+          </a:ln>
+        </p:spPr>
+        <p:style>
+          <a:lnRef idx="2">
+            <a:schemeClr val="accent1">
+              <a:shade val="50000"/>
+            </a:schemeClr>
+          </a:lnRef>
+          <a:fillRef idx="1">
+            <a:schemeClr val="accent1"/>
+          </a:fillRef>
+          <a:effectRef idx="0">
+            <a:schemeClr val="accent1"/>
+          </a:effectRef>
+          <a:fontRef idx="minor">
+            <a:schemeClr val="lt1"/>
+          </a:fontRef>
+        </p:style>
+        <p:txBody>
+          <a:bodyPr rtlCol="0" anchor="ctr"/>
+          <a:lstStyle/>
+          <a:p>
+            <a:pPr algn="ctr"/>
+            <a:r>
+              <a:rPr lang="en-US" sz="1400" dirty="0">
+                <a:solidFill>
+                  <a:schemeClr val="tx1"/>
+                </a:solidFill>
+                <a:latin typeface="Arial" panose="020B0604020202020204" pitchFamily="34" charset="0"/>
+                <a:cs typeface="Arial" panose="020B0604020202020204" pitchFamily="34" charset="0"/>
+              </a:rPr>
+              <a:t>Modeling ribosome inactivation by chloramphenicol</a:t>
+            </a:r>
+          </a:p>
+        </p:txBody>
+      </p:sp>
+      <mc:AlternateContent xmlns:mc="http://schemas.openxmlformats.org/markup-compatibility/2006" xmlns:a14="http://schemas.microsoft.com/office/drawing/2010/main">
+        <mc:Choice Requires="a14">
+          <p:sp>
+            <p:nvSpPr>
+              <p:cNvPr id="40" name="ZoneTexte 1">
+                <a:extLst>
+                  <a:ext uri="{FF2B5EF4-FFF2-40B4-BE49-F238E27FC236}">
+                    <a16:creationId xmlns:a16="http://schemas.microsoft.com/office/drawing/2014/main" id="{8B636891-1A66-FB4C-B81B-424EB92924CF}"/>
+                  </a:ext>
+                </a:extLst>
+              </p:cNvPr>
+              <p:cNvSpPr txBox="1"/>
+              <p:nvPr/>
+            </p:nvSpPr>
+            <p:spPr>
+              <a:xfrm>
+                <a:off x="3791510" y="4513603"/>
+                <a:ext cx="3869740" cy="1062983"/>
+              </a:xfrm>
+              <a:prstGeom prst="rect">
+                <a:avLst/>
+              </a:prstGeom>
+              <a:solidFill>
+                <a:schemeClr val="bg1"/>
+              </a:solidFill>
+              <a:ln w="19050">
+                <a:solidFill>
+                  <a:schemeClr val="tx1">
+                    <a:lumMod val="50000"/>
+                    <a:lumOff val="50000"/>
+                  </a:schemeClr>
+                </a:solidFill>
+              </a:ln>
+            </p:spPr>
+            <p:txBody>
+              <a:bodyPr wrap="square" lIns="0" tIns="0" rIns="0" bIns="0" rtlCol="0" anchor="ctr">
+                <a:spAutoFit/>
+              </a:bodyPr>
+              <a:lstStyle/>
+              <a:p>
+                <a:pPr algn="ctr"/>
+                <a:endParaRPr lang="en-GB" sz="500" b="0" i="1" dirty="0">
+                  <a:latin typeface="Arial" panose="020B0604020202020204" pitchFamily="34" charset="0"/>
+                  <a:ea typeface="Cambria Math" panose="02040503050406030204" pitchFamily="18" charset="0"/>
+                  <a:cs typeface="Arial" panose="020B0604020202020204" pitchFamily="34" charset="0"/>
+                </a:endParaRPr>
+              </a:p>
+              <a:p>
+                <a:pPr algn="ctr"/>
+                <a14:m>
+                  <m:oMathPara xmlns:m="http://schemas.openxmlformats.org/officeDocument/2006/math">
+                    <m:oMathParaPr>
+                      <m:jc m:val="centerGroup"/>
+                    </m:oMathParaPr>
+                    <m:oMath xmlns:m="http://schemas.openxmlformats.org/officeDocument/2006/math">
+                      <m:r>
+                        <a:rPr lang="en-US" sz="1600" b="0" i="1" smtClean="0">
+                          <a:latin typeface="Cambria Math" panose="02040503050406030204" pitchFamily="18" charset="0"/>
+                          <a:ea typeface="Cambria Math" panose="02040503050406030204" pitchFamily="18" charset="0"/>
+                        </a:rPr>
+                        <m:t>𝑉</m:t>
+                      </m:r>
+                      <m:r>
+                        <a:rPr lang="en-US" sz="1600" b="0" i="1" smtClean="0">
+                          <a:latin typeface="Cambria Math" panose="02040503050406030204" pitchFamily="18" charset="0"/>
+                          <a:ea typeface="Cambria Math" panose="02040503050406030204" pitchFamily="18" charset="0"/>
+                        </a:rPr>
+                        <m:t>=</m:t>
+                      </m:r>
+                      <m:r>
+                        <a:rPr lang="en-US" sz="1600" b="0" i="1" smtClean="0">
+                          <a:latin typeface="Cambria Math" panose="02040503050406030204" pitchFamily="18" charset="0"/>
+                          <a:ea typeface="Cambria Math" panose="02040503050406030204" pitchFamily="18" charset="0"/>
+                        </a:rPr>
+                        <m:t>𝑀</m:t>
+                      </m:r>
+                      <m:r>
+                        <a:rPr lang="en-US" sz="1600" b="0" i="1" smtClean="0">
+                          <a:latin typeface="Cambria Math" panose="02040503050406030204" pitchFamily="18" charset="0"/>
+                          <a:ea typeface="Cambria Math" panose="02040503050406030204" pitchFamily="18" charset="0"/>
+                        </a:rPr>
+                        <m:t>=</m:t>
+                      </m:r>
+                      <m:r>
+                        <a:rPr lang="en-US" sz="1600" b="0" i="1" smtClean="0">
+                          <a:solidFill>
+                            <a:srgbClr val="FF40FF"/>
+                          </a:solidFill>
+                          <a:latin typeface="Cambria Math" panose="02040503050406030204" pitchFamily="18" charset="0"/>
+                        </a:rPr>
+                        <m:t>𝐴</m:t>
+                      </m:r>
+                      <m:r>
+                        <a:rPr lang="en-US" sz="1600" b="0" i="1" smtClean="0">
+                          <a:solidFill>
+                            <a:schemeClr val="tx1"/>
+                          </a:solidFill>
+                          <a:latin typeface="Cambria Math" panose="02040503050406030204" pitchFamily="18" charset="0"/>
+                        </a:rPr>
+                        <m:t>+</m:t>
+                      </m:r>
+                      <m:r>
+                        <a:rPr lang="en-US" sz="1600" b="0" i="1" smtClean="0">
+                          <a:solidFill>
+                            <a:srgbClr val="00B050"/>
+                          </a:solidFill>
+                          <a:latin typeface="Cambria Math" panose="02040503050406030204" pitchFamily="18" charset="0"/>
+                          <a:ea typeface="Cambria Math" panose="02040503050406030204" pitchFamily="18" charset="0"/>
+                        </a:rPr>
+                        <m:t>𝐸</m:t>
+                      </m:r>
+                      <m:r>
+                        <a:rPr lang="en-US" sz="1600" b="0" i="1" smtClean="0">
+                          <a:solidFill>
+                            <a:schemeClr val="tx1"/>
+                          </a:solidFill>
+                          <a:latin typeface="Cambria Math" panose="02040503050406030204" pitchFamily="18" charset="0"/>
+                        </a:rPr>
+                        <m:t>+</m:t>
+                      </m:r>
+                      <m:r>
+                        <a:rPr lang="en-US" sz="1600" b="0" i="1" smtClean="0">
+                          <a:solidFill>
+                            <a:srgbClr val="AB7942"/>
+                          </a:solidFill>
+                          <a:latin typeface="Cambria Math" panose="02040503050406030204" pitchFamily="18" charset="0"/>
+                          <a:ea typeface="Cambria Math" panose="02040503050406030204" pitchFamily="18" charset="0"/>
+                        </a:rPr>
+                        <m:t>𝑄</m:t>
+                      </m:r>
+                      <m:r>
+                        <a:rPr lang="en-US" sz="1600" b="0" i="1" smtClean="0">
+                          <a:solidFill>
+                            <a:schemeClr val="tx1"/>
+                          </a:solidFill>
+                          <a:latin typeface="Cambria Math" panose="02040503050406030204" pitchFamily="18" charset="0"/>
+                        </a:rPr>
+                        <m:t>+</m:t>
+                      </m:r>
+                      <m:r>
+                        <a:rPr lang="en-US" sz="1600" b="0" i="1" smtClean="0">
+                          <a:solidFill>
+                            <a:srgbClr val="FF2600"/>
+                          </a:solidFill>
+                          <a:latin typeface="Cambria Math" panose="02040503050406030204" pitchFamily="18" charset="0"/>
+                          <a:ea typeface="Cambria Math" panose="02040503050406030204" pitchFamily="18" charset="0"/>
+                        </a:rPr>
+                        <m:t>𝑋</m:t>
+                      </m:r>
+                      <m:r>
+                        <a:rPr lang="en-US" sz="1600" b="0" i="1" smtClean="0">
+                          <a:solidFill>
+                            <a:schemeClr val="tx1"/>
+                          </a:solidFill>
+                          <a:latin typeface="Cambria Math" panose="02040503050406030204" pitchFamily="18" charset="0"/>
+                        </a:rPr>
+                        <m:t>+</m:t>
+                      </m:r>
+                      <m:r>
+                        <a:rPr lang="en-US" sz="1600" i="1" smtClean="0">
+                          <a:solidFill>
+                            <a:srgbClr val="0432FF"/>
+                          </a:solidFill>
+                          <a:latin typeface="Cambria Math" panose="02040503050406030204" pitchFamily="18" charset="0"/>
+                          <a:ea typeface="Cambria Math" panose="02040503050406030204" pitchFamily="18" charset="0"/>
+                        </a:rPr>
+                        <m:t>𝑅</m:t>
+                      </m:r>
+                      <m:r>
+                        <a:rPr lang="en-GB" sz="1600" b="0" i="1" smtClean="0">
+                          <a:solidFill>
+                            <a:schemeClr val="tx1"/>
+                          </a:solidFill>
+                          <a:latin typeface="Cambria Math" panose="02040503050406030204" pitchFamily="18" charset="0"/>
+                          <a:ea typeface="Cambria Math" panose="02040503050406030204" pitchFamily="18" charset="0"/>
+                        </a:rPr>
+                        <m:t>+</m:t>
+                      </m:r>
+                      <m:r>
+                        <a:rPr lang="en-GB" sz="1600" b="0" i="1" smtClean="0">
+                          <a:solidFill>
+                            <a:schemeClr val="bg1">
+                              <a:lumMod val="50000"/>
+                            </a:schemeClr>
+                          </a:solidFill>
+                          <a:latin typeface="Cambria Math" panose="02040503050406030204" pitchFamily="18" charset="0"/>
+                          <a:ea typeface="Cambria Math" panose="02040503050406030204" pitchFamily="18" charset="0"/>
+                        </a:rPr>
+                        <m:t>𝑈</m:t>
+                      </m:r>
+                    </m:oMath>
+                  </m:oMathPara>
+                </a14:m>
+                <a:endParaRPr lang="en-GB" sz="1600" b="0" dirty="0">
+                  <a:solidFill>
+                    <a:schemeClr val="bg1">
+                      <a:lumMod val="50000"/>
+                    </a:schemeClr>
+                  </a:solidFill>
+                  <a:latin typeface="Arial" panose="020B0604020202020204" pitchFamily="34" charset="0"/>
+                  <a:ea typeface="Cambria Math" panose="02040503050406030204" pitchFamily="18" charset="0"/>
+                  <a:cs typeface="Arial" panose="020B0604020202020204" pitchFamily="34" charset="0"/>
+                </a:endParaRPr>
+              </a:p>
+              <a:p>
+                <a:pPr algn="ctr"/>
+                <a:endParaRPr lang="en-GB" sz="300" b="0" dirty="0">
+                  <a:solidFill>
+                    <a:schemeClr val="bg1">
+                      <a:lumMod val="50000"/>
+                    </a:schemeClr>
+                  </a:solidFill>
+                  <a:latin typeface="Arial" panose="020B0604020202020204" pitchFamily="34" charset="0"/>
+                  <a:ea typeface="Cambria Math" panose="02040503050406030204" pitchFamily="18" charset="0"/>
+                  <a:cs typeface="Arial" panose="020B0604020202020204" pitchFamily="34" charset="0"/>
+                </a:endParaRPr>
+              </a:p>
+              <a:p>
+                <a:pPr algn="ctr"/>
+                <a14:m>
+                  <m:oMathPara xmlns:m="http://schemas.openxmlformats.org/officeDocument/2006/math">
+                    <m:oMathParaPr>
+                      <m:jc m:val="centerGroup"/>
+                    </m:oMathParaPr>
+                    <m:oMath xmlns:m="http://schemas.openxmlformats.org/officeDocument/2006/math">
+                      <m:r>
+                        <a:rPr lang="en-GB" sz="1600" b="0" i="1" smtClean="0">
+                          <a:solidFill>
+                            <a:srgbClr val="FF40FF"/>
+                          </a:solidFill>
+                          <a:latin typeface="Cambria Math" panose="02040503050406030204" pitchFamily="18" charset="0"/>
+                          <a:ea typeface="Cambria Math" panose="02040503050406030204" pitchFamily="18" charset="0"/>
+                        </a:rPr>
+                        <m:t>𝑎</m:t>
+                      </m:r>
+                      <m:r>
+                        <a:rPr lang="en-GB" sz="1600" b="0" i="1" smtClean="0">
+                          <a:solidFill>
+                            <a:schemeClr val="tx1"/>
+                          </a:solidFill>
+                          <a:latin typeface="Cambria Math" panose="02040503050406030204" pitchFamily="18" charset="0"/>
+                          <a:ea typeface="Cambria Math" panose="02040503050406030204" pitchFamily="18" charset="0"/>
+                        </a:rPr>
+                        <m:t>=</m:t>
+                      </m:r>
+                      <m:f>
+                        <m:fPr>
+                          <m:type m:val="skw"/>
+                          <m:ctrlPr>
+                            <a:rPr lang="en-GB" sz="1600" b="0" i="1" smtClean="0">
+                              <a:solidFill>
+                                <a:schemeClr val="tx1"/>
+                              </a:solidFill>
+                              <a:latin typeface="Cambria Math" panose="02040503050406030204" pitchFamily="18" charset="0"/>
+                              <a:ea typeface="Cambria Math" panose="02040503050406030204" pitchFamily="18" charset="0"/>
+                            </a:rPr>
+                          </m:ctrlPr>
+                        </m:fPr>
+                        <m:num>
+                          <m:r>
+                            <a:rPr lang="en-US" sz="1600" b="0" i="1" smtClean="0">
+                              <a:solidFill>
+                                <a:srgbClr val="FF40FF"/>
+                              </a:solidFill>
+                              <a:latin typeface="Cambria Math" panose="02040503050406030204" pitchFamily="18" charset="0"/>
+                            </a:rPr>
+                            <m:t>𝐴</m:t>
+                          </m:r>
+                        </m:num>
+                        <m:den>
+                          <m:r>
+                            <a:rPr lang="en-GB" sz="1600" b="0" i="1" smtClean="0">
+                              <a:solidFill>
+                                <a:schemeClr val="tx1"/>
+                              </a:solidFill>
+                              <a:latin typeface="Cambria Math" panose="02040503050406030204" pitchFamily="18" charset="0"/>
+                              <a:ea typeface="Cambria Math" panose="02040503050406030204" pitchFamily="18" charset="0"/>
+                            </a:rPr>
+                            <m:t>𝑉</m:t>
+                          </m:r>
+                        </m:den>
+                      </m:f>
+                      <m:r>
+                        <a:rPr lang="en-GB" sz="1600" b="0" i="1" smtClean="0">
+                          <a:solidFill>
+                            <a:schemeClr val="tx1"/>
+                          </a:solidFill>
+                          <a:latin typeface="Cambria Math" panose="02040503050406030204" pitchFamily="18" charset="0"/>
+                          <a:ea typeface="Cambria Math" panose="02040503050406030204" pitchFamily="18" charset="0"/>
+                        </a:rPr>
+                        <m:t>, </m:t>
+                      </m:r>
+                      <m:r>
+                        <a:rPr lang="en-GB" sz="1600" b="0" i="1" smtClean="0">
+                          <a:solidFill>
+                            <a:srgbClr val="00B050"/>
+                          </a:solidFill>
+                          <a:latin typeface="Cambria Math" panose="02040503050406030204" pitchFamily="18" charset="0"/>
+                          <a:ea typeface="Cambria Math" panose="02040503050406030204" pitchFamily="18" charset="0"/>
+                        </a:rPr>
+                        <m:t>𝑒</m:t>
+                      </m:r>
+                      <m:r>
+                        <a:rPr lang="en-GB" sz="1600" b="0" i="1" smtClean="0">
+                          <a:solidFill>
+                            <a:schemeClr val="tx1"/>
+                          </a:solidFill>
+                          <a:latin typeface="Cambria Math" panose="02040503050406030204" pitchFamily="18" charset="0"/>
+                          <a:ea typeface="Cambria Math" panose="02040503050406030204" pitchFamily="18" charset="0"/>
+                        </a:rPr>
+                        <m:t>=</m:t>
+                      </m:r>
+                      <m:f>
+                        <m:fPr>
+                          <m:type m:val="skw"/>
+                          <m:ctrlPr>
+                            <a:rPr lang="en-GB" sz="1600" b="0" i="1" smtClean="0">
+                              <a:solidFill>
+                                <a:schemeClr val="tx1"/>
+                              </a:solidFill>
+                              <a:latin typeface="Cambria Math" panose="02040503050406030204" pitchFamily="18" charset="0"/>
+                              <a:ea typeface="Cambria Math" panose="02040503050406030204" pitchFamily="18" charset="0"/>
+                            </a:rPr>
+                          </m:ctrlPr>
+                        </m:fPr>
+                        <m:num>
+                          <m:r>
+                            <a:rPr lang="en-US" sz="1600" b="0" i="1" smtClean="0">
+                              <a:solidFill>
+                                <a:srgbClr val="00B050"/>
+                              </a:solidFill>
+                              <a:latin typeface="Cambria Math" panose="02040503050406030204" pitchFamily="18" charset="0"/>
+                              <a:ea typeface="Cambria Math" panose="02040503050406030204" pitchFamily="18" charset="0"/>
+                            </a:rPr>
+                            <m:t>𝐸</m:t>
+                          </m:r>
+                        </m:num>
+                        <m:den>
+                          <m:r>
+                            <a:rPr lang="en-GB" sz="1600" b="0" i="1" smtClean="0">
+                              <a:solidFill>
+                                <a:schemeClr val="tx1"/>
+                              </a:solidFill>
+                              <a:latin typeface="Cambria Math" panose="02040503050406030204" pitchFamily="18" charset="0"/>
+                              <a:ea typeface="Cambria Math" panose="02040503050406030204" pitchFamily="18" charset="0"/>
+                            </a:rPr>
+                            <m:t>𝑉</m:t>
+                          </m:r>
+                        </m:den>
+                      </m:f>
+                      <m:r>
+                        <a:rPr lang="en-GB" sz="1600" b="0" i="1" smtClean="0">
+                          <a:solidFill>
+                            <a:schemeClr val="tx1"/>
+                          </a:solidFill>
+                          <a:latin typeface="Cambria Math" panose="02040503050406030204" pitchFamily="18" charset="0"/>
+                          <a:ea typeface="Cambria Math" panose="02040503050406030204" pitchFamily="18" charset="0"/>
+                        </a:rPr>
+                        <m:t>…</m:t>
+                      </m:r>
+                    </m:oMath>
+                  </m:oMathPara>
+                </a14:m>
+                <a:endParaRPr lang="fr-FR" sz="1600" b="0" dirty="0">
+                  <a:solidFill>
+                    <a:schemeClr val="bg1">
+                      <a:lumMod val="50000"/>
+                    </a:schemeClr>
+                  </a:solidFill>
+                  <a:latin typeface="Arial" panose="020B0604020202020204" pitchFamily="34" charset="0"/>
+                  <a:ea typeface="Cambria Math" panose="02040503050406030204" pitchFamily="18" charset="0"/>
+                  <a:cs typeface="Arial" panose="020B0604020202020204" pitchFamily="34" charset="0"/>
+                </a:endParaRPr>
+              </a:p>
+              <a:p>
+                <a:pPr algn="ctr"/>
+                <a14:m>
+                  <m:oMathPara xmlns:m="http://schemas.openxmlformats.org/officeDocument/2006/math">
+                    <m:oMathParaPr>
+                      <m:jc m:val="centerGroup"/>
+                    </m:oMathParaPr>
+                    <m:oMath xmlns:m="http://schemas.openxmlformats.org/officeDocument/2006/math">
+                      <m:r>
+                        <a:rPr lang="en-GB" sz="1600" i="1">
+                          <a:latin typeface="Cambria Math" panose="02040503050406030204" pitchFamily="18" charset="0"/>
+                          <a:ea typeface="Cambria Math" panose="02040503050406030204" pitchFamily="18" charset="0"/>
+                        </a:rPr>
+                        <m:t>𝑓</m:t>
+                      </m:r>
+                      <m:r>
+                        <a:rPr lang="en-GB" sz="1600" i="1" baseline="-25000">
+                          <a:solidFill>
+                            <a:srgbClr val="00B050"/>
+                          </a:solidFill>
+                          <a:latin typeface="Cambria Math" panose="02040503050406030204" pitchFamily="18" charset="0"/>
+                          <a:ea typeface="Cambria Math" panose="02040503050406030204" pitchFamily="18" charset="0"/>
+                        </a:rPr>
+                        <m:t>𝐸</m:t>
+                      </m:r>
+                      <m:r>
+                        <a:rPr lang="en-GB" sz="1600" b="0" i="1" smtClean="0">
+                          <a:solidFill>
+                            <a:schemeClr val="tx1"/>
+                          </a:solidFill>
+                          <a:latin typeface="Cambria Math" panose="02040503050406030204" pitchFamily="18" charset="0"/>
+                          <a:ea typeface="Cambria Math" panose="02040503050406030204" pitchFamily="18" charset="0"/>
+                        </a:rPr>
+                        <m:t>+</m:t>
+                      </m:r>
+                      <m:sSub>
+                        <m:sSubPr>
+                          <m:ctrlPr>
+                            <a:rPr lang="en-GB" sz="1600" i="1">
+                              <a:latin typeface="Cambria Math" panose="02040503050406030204" pitchFamily="18" charset="0"/>
+                              <a:ea typeface="Cambria Math" panose="02040503050406030204" pitchFamily="18" charset="0"/>
+                            </a:rPr>
+                          </m:ctrlPr>
+                        </m:sSubPr>
+                        <m:e>
+                          <m:r>
+                            <a:rPr lang="en-GB" sz="1600" i="1">
+                              <a:latin typeface="Cambria Math" panose="02040503050406030204" pitchFamily="18" charset="0"/>
+                              <a:ea typeface="Cambria Math" panose="02040503050406030204" pitchFamily="18" charset="0"/>
+                            </a:rPr>
+                            <m:t>𝑓</m:t>
+                          </m:r>
+                        </m:e>
+                        <m:sub>
+                          <m:r>
+                            <a:rPr lang="en-GB" sz="1600" i="1">
+                              <a:solidFill>
+                                <a:srgbClr val="0432FF"/>
+                              </a:solidFill>
+                              <a:latin typeface="Cambria Math" panose="02040503050406030204" pitchFamily="18" charset="0"/>
+                              <a:ea typeface="Cambria Math" panose="02040503050406030204" pitchFamily="18" charset="0"/>
+                            </a:rPr>
+                            <m:t>𝑅</m:t>
+                          </m:r>
+                        </m:sub>
+                      </m:sSub>
+                      <m:r>
+                        <a:rPr lang="en-GB" sz="1600" b="0" i="1" smtClean="0">
+                          <a:solidFill>
+                            <a:schemeClr val="tx1"/>
+                          </a:solidFill>
+                          <a:latin typeface="Cambria Math" panose="02040503050406030204" pitchFamily="18" charset="0"/>
+                          <a:ea typeface="Cambria Math" panose="02040503050406030204" pitchFamily="18" charset="0"/>
+                        </a:rPr>
+                        <m:t>+</m:t>
+                      </m:r>
+                      <m:sSub>
+                        <m:sSubPr>
+                          <m:ctrlPr>
+                            <a:rPr lang="en-GB" sz="1600" i="1">
+                              <a:latin typeface="Cambria Math" panose="02040503050406030204" pitchFamily="18" charset="0"/>
+                              <a:ea typeface="Cambria Math" panose="02040503050406030204" pitchFamily="18" charset="0"/>
+                            </a:rPr>
+                          </m:ctrlPr>
+                        </m:sSubPr>
+                        <m:e>
+                          <m:r>
+                            <a:rPr lang="en-GB" sz="1600" i="1">
+                              <a:latin typeface="Cambria Math" panose="02040503050406030204" pitchFamily="18" charset="0"/>
+                              <a:ea typeface="Cambria Math" panose="02040503050406030204" pitchFamily="18" charset="0"/>
+                            </a:rPr>
+                            <m:t>𝑓</m:t>
+                          </m:r>
+                        </m:e>
+                        <m:sub>
+                          <m:r>
+                            <a:rPr lang="en-GB" sz="1600" i="1">
+                              <a:solidFill>
+                                <a:srgbClr val="AB7942"/>
+                              </a:solidFill>
+                              <a:latin typeface="Cambria Math" panose="02040503050406030204" pitchFamily="18" charset="0"/>
+                              <a:ea typeface="Cambria Math" panose="02040503050406030204" pitchFamily="18" charset="0"/>
+                            </a:rPr>
+                            <m:t>𝑄</m:t>
+                          </m:r>
+                        </m:sub>
+                      </m:sSub>
+                      <m:r>
+                        <a:rPr lang="en-GB" sz="1600" b="0" i="1" smtClean="0">
+                          <a:solidFill>
+                            <a:schemeClr val="tx1"/>
+                          </a:solidFill>
+                          <a:latin typeface="Cambria Math" panose="02040503050406030204" pitchFamily="18" charset="0"/>
+                          <a:ea typeface="Cambria Math" panose="02040503050406030204" pitchFamily="18" charset="0"/>
+                        </a:rPr>
+                        <m:t>+</m:t>
+                      </m:r>
+                      <m:sSub>
+                        <m:sSubPr>
+                          <m:ctrlPr>
+                            <a:rPr lang="en-GB" sz="1600" b="0" i="1" smtClean="0">
+                              <a:solidFill>
+                                <a:schemeClr val="tx1"/>
+                              </a:solidFill>
+                              <a:latin typeface="Cambria Math" panose="02040503050406030204" pitchFamily="18" charset="0"/>
+                              <a:ea typeface="Cambria Math" panose="02040503050406030204" pitchFamily="18" charset="0"/>
+                            </a:rPr>
+                          </m:ctrlPr>
+                        </m:sSubPr>
+                        <m:e>
+                          <m:r>
+                            <a:rPr lang="en-GB" sz="1600" b="0" i="1" smtClean="0">
+                              <a:solidFill>
+                                <a:schemeClr val="tx1"/>
+                              </a:solidFill>
+                              <a:latin typeface="Cambria Math" panose="02040503050406030204" pitchFamily="18" charset="0"/>
+                              <a:ea typeface="Cambria Math" panose="02040503050406030204" pitchFamily="18" charset="0"/>
+                            </a:rPr>
+                            <m:t>𝑓</m:t>
+                          </m:r>
+                        </m:e>
+                        <m:sub>
+                          <m:r>
+                            <a:rPr lang="en-GB" sz="1600" b="0" i="1" smtClean="0">
+                              <a:solidFill>
+                                <a:srgbClr val="FF0000"/>
+                              </a:solidFill>
+                              <a:latin typeface="Cambria Math" panose="02040503050406030204" pitchFamily="18" charset="0"/>
+                              <a:ea typeface="Cambria Math" panose="02040503050406030204" pitchFamily="18" charset="0"/>
+                            </a:rPr>
+                            <m:t>𝑋</m:t>
+                          </m:r>
+                        </m:sub>
+                      </m:sSub>
+                      <m:r>
+                        <a:rPr lang="en-GB" sz="1600" b="0" i="1" smtClean="0">
+                          <a:solidFill>
+                            <a:schemeClr val="tx1"/>
+                          </a:solidFill>
+                          <a:latin typeface="Cambria Math" panose="02040503050406030204" pitchFamily="18" charset="0"/>
+                          <a:ea typeface="Cambria Math" panose="02040503050406030204" pitchFamily="18" charset="0"/>
+                        </a:rPr>
+                        <m:t>+</m:t>
+                      </m:r>
+                      <m:r>
+                        <a:rPr lang="en-GB" sz="1600" i="1">
+                          <a:latin typeface="Cambria Math" panose="02040503050406030204" pitchFamily="18" charset="0"/>
+                          <a:ea typeface="Cambria Math" panose="02040503050406030204" pitchFamily="18" charset="0"/>
+                        </a:rPr>
+                        <m:t>𝑓</m:t>
+                      </m:r>
+                      <m:r>
+                        <a:rPr lang="en-GB" sz="1600" b="0" i="1" baseline="-25000" smtClean="0">
+                          <a:solidFill>
+                            <a:schemeClr val="bg1">
+                              <a:lumMod val="50000"/>
+                            </a:schemeClr>
+                          </a:solidFill>
+                          <a:latin typeface="Cambria Math" panose="02040503050406030204" pitchFamily="18" charset="0"/>
+                          <a:ea typeface="Cambria Math" panose="02040503050406030204" pitchFamily="18" charset="0"/>
+                        </a:rPr>
+                        <m:t>𝑈</m:t>
+                      </m:r>
+                      <m:r>
+                        <a:rPr lang="en-GB" sz="1600" i="1">
+                          <a:latin typeface="Cambria Math" panose="02040503050406030204" pitchFamily="18" charset="0"/>
+                          <a:ea typeface="Cambria Math" panose="02040503050406030204" pitchFamily="18" charset="0"/>
+                        </a:rPr>
+                        <m:t>=</m:t>
+                      </m:r>
+                      <m:r>
+                        <a:rPr lang="en-GB" sz="1600" b="0" i="1" smtClean="0">
+                          <a:latin typeface="Cambria Math" panose="02040503050406030204" pitchFamily="18" charset="0"/>
+                          <a:ea typeface="Cambria Math" panose="02040503050406030204" pitchFamily="18" charset="0"/>
+                        </a:rPr>
+                        <m:t>1</m:t>
+                      </m:r>
+                    </m:oMath>
+                  </m:oMathPara>
+                </a14:m>
+                <a:endParaRPr lang="fr-FR" sz="1600" b="0" dirty="0">
+                  <a:solidFill>
+                    <a:schemeClr val="bg1">
+                      <a:lumMod val="50000"/>
+                    </a:schemeClr>
+                  </a:solidFill>
+                  <a:latin typeface="Arial" panose="020B0604020202020204" pitchFamily="34" charset="0"/>
+                  <a:ea typeface="Cambria Math" panose="02040503050406030204" pitchFamily="18" charset="0"/>
+                  <a:cs typeface="Arial" panose="020B0604020202020204" pitchFamily="34" charset="0"/>
+                </a:endParaRPr>
+              </a:p>
+              <a:p>
+                <a:pPr algn="ctr"/>
+                <a:endParaRPr lang="fr-FR" sz="500" b="0" dirty="0">
+                  <a:solidFill>
+                    <a:schemeClr val="bg1">
+                      <a:lumMod val="50000"/>
+                    </a:schemeClr>
+                  </a:solidFill>
+                  <a:latin typeface="Arial" panose="020B0604020202020204" pitchFamily="34" charset="0"/>
+                  <a:ea typeface="Cambria Math" panose="02040503050406030204" pitchFamily="18" charset="0"/>
+                  <a:cs typeface="Arial" panose="020B0604020202020204" pitchFamily="34" charset="0"/>
+                </a:endParaRPr>
+              </a:p>
+            </p:txBody>
+          </p:sp>
+        </mc:Choice>
+        <mc:Fallback xmlns="">
+          <p:sp>
+            <p:nvSpPr>
+              <p:cNvPr id="40" name="ZoneTexte 1">
+                <a:extLst>
+                  <a:ext uri="{FF2B5EF4-FFF2-40B4-BE49-F238E27FC236}">
+                    <a16:creationId xmlns:a16="http://schemas.microsoft.com/office/drawing/2014/main" id="{8B636891-1A66-FB4C-B81B-424EB92924CF}"/>
+                  </a:ext>
+                </a:extLst>
+              </p:cNvPr>
+              <p:cNvSpPr txBox="1">
+                <a:spLocks noRot="1" noChangeAspect="1" noMove="1" noResize="1" noEditPoints="1" noAdjustHandles="1" noChangeArrowheads="1" noChangeShapeType="1" noTextEdit="1"/>
+              </p:cNvSpPr>
+              <p:nvPr/>
+            </p:nvSpPr>
+            <p:spPr>
+              <a:xfrm>
+                <a:off x="3791510" y="4513603"/>
+                <a:ext cx="3869740" cy="1062983"/>
+              </a:xfrm>
+              <a:prstGeom prst="rect">
+                <a:avLst/>
+              </a:prstGeom>
+              <a:blipFill>
+                <a:blip r:embed="rId2"/>
+                <a:stretch>
+                  <a:fillRect t="-10345" b="-35632"/>
+                </a:stretch>
+              </a:blipFill>
+              <a:ln w="19050">
+                <a:solidFill>
+                  <a:schemeClr val="tx1">
+                    <a:lumMod val="50000"/>
+                    <a:lumOff val="50000"/>
+                  </a:schemeClr>
+                </a:solidFill>
+              </a:ln>
+            </p:spPr>
+            <p:txBody>
+              <a:bodyPr/>
+              <a:lstStyle/>
+              <a:p>
+                <a:r>
+                  <a:rPr lang="en-US">
+                    <a:noFill/>
+                  </a:rPr>
+                  <a:t> </a:t>
+                </a:r>
+              </a:p>
+            </p:txBody>
+          </p:sp>
+        </mc:Fallback>
+      </mc:AlternateContent>
+      <p:cxnSp>
+        <p:nvCxnSpPr>
+          <p:cNvPr id="51" name="Straight Connector 50">
+            <a:extLst>
+              <a:ext uri="{FF2B5EF4-FFF2-40B4-BE49-F238E27FC236}">
+                <a16:creationId xmlns:a16="http://schemas.microsoft.com/office/drawing/2014/main" id="{9FA59642-353B-544D-B186-440BDC6A46E4}"/>
+              </a:ext>
+            </a:extLst>
+          </p:cNvPr>
+          <p:cNvCxnSpPr>
+            <a:cxnSpLocks/>
+          </p:cNvCxnSpPr>
+          <p:nvPr/>
+        </p:nvCxnSpPr>
+        <p:spPr>
+          <a:xfrm flipV="1">
+            <a:off x="4651629" y="2337890"/>
+            <a:ext cx="1055010" cy="440759"/>
+          </a:xfrm>
+          <a:prstGeom prst="line">
+            <a:avLst/>
+          </a:prstGeom>
+          <a:ln>
+            <a:solidFill>
+              <a:schemeClr val="tx1"/>
+            </a:solidFill>
+            <a:headEnd type="none"/>
+            <a:tailEnd type="triangle"/>
+          </a:ln>
+          <a:effectLst/>
+        </p:spPr>
+        <p:style>
+          <a:lnRef idx="2">
+            <a:schemeClr val="accent1"/>
+          </a:lnRef>
+          <a:fillRef idx="0">
+            <a:schemeClr val="accent1"/>
+          </a:fillRef>
+          <a:effectRef idx="1">
+            <a:schemeClr val="accent1"/>
+          </a:effectRef>
+          <a:fontRef idx="minor">
+            <a:schemeClr val="tx1"/>
+          </a:fontRef>
+        </p:style>
+      </p:cxnSp>
+      <p:cxnSp>
+        <p:nvCxnSpPr>
+          <p:cNvPr id="57" name="Straight Connector 56">
+            <a:extLst>
+              <a:ext uri="{FF2B5EF4-FFF2-40B4-BE49-F238E27FC236}">
+                <a16:creationId xmlns:a16="http://schemas.microsoft.com/office/drawing/2014/main" id="{E8BA76B6-026E-B24D-9CF0-197984451D62}"/>
+              </a:ext>
+            </a:extLst>
+          </p:cNvPr>
+          <p:cNvCxnSpPr>
+            <a:cxnSpLocks/>
+          </p:cNvCxnSpPr>
+          <p:nvPr/>
+        </p:nvCxnSpPr>
+        <p:spPr>
+          <a:xfrm flipV="1">
+            <a:off x="4651629" y="2788676"/>
+            <a:ext cx="1332810" cy="1"/>
+          </a:xfrm>
+          <a:prstGeom prst="line">
+            <a:avLst/>
+          </a:prstGeom>
+          <a:ln>
+            <a:solidFill>
+              <a:schemeClr val="tx1"/>
+            </a:solidFill>
+            <a:headEnd type="none"/>
+            <a:tailEnd type="triangle"/>
+          </a:ln>
+          <a:effectLst/>
+        </p:spPr>
+        <p:style>
+          <a:lnRef idx="2">
+            <a:schemeClr val="accent1"/>
+          </a:lnRef>
+          <a:fillRef idx="0">
+            <a:schemeClr val="accent1"/>
+          </a:fillRef>
+          <a:effectRef idx="1">
+            <a:schemeClr val="accent1"/>
+          </a:effectRef>
+          <a:fontRef idx="minor">
+            <a:schemeClr val="tx1"/>
+          </a:fontRef>
+        </p:style>
+      </p:cxnSp>
+      <mc:AlternateContent xmlns:mc="http://schemas.openxmlformats.org/markup-compatibility/2006" xmlns:a14="http://schemas.microsoft.com/office/drawing/2010/main">
+        <mc:Choice Requires="a14">
+          <p:sp>
+            <p:nvSpPr>
+              <p:cNvPr id="63" name="Rectangle 62">
+                <a:extLst>
+                  <a:ext uri="{FF2B5EF4-FFF2-40B4-BE49-F238E27FC236}">
+                    <a16:creationId xmlns:a16="http://schemas.microsoft.com/office/drawing/2014/main" id="{C9B68D0B-90DC-CE4D-96F7-A3C5BE4C3F0C}"/>
+                  </a:ext>
+                </a:extLst>
+              </p:cNvPr>
+              <p:cNvSpPr/>
+              <p:nvPr/>
+            </p:nvSpPr>
+            <p:spPr>
+              <a:xfrm>
+                <a:off x="3146173" y="3160975"/>
+                <a:ext cx="867995" cy="369332"/>
+              </a:xfrm>
+              <a:prstGeom prst="rect">
+                <a:avLst/>
+              </a:prstGeom>
+            </p:spPr>
+            <p:txBody>
+              <a:bodyPr wrap="none">
+                <a:spAutoFit/>
+              </a:bodyPr>
+              <a:lstStyle/>
+              <a:p>
+                <a:pPr/>
+                <a14:m>
+                  <m:oMathPara xmlns:m="http://schemas.openxmlformats.org/officeDocument/2006/math">
+                    <m:oMathParaPr>
+                      <m:jc m:val="centerGroup"/>
+                    </m:oMathParaPr>
+                    <m:oMath xmlns:m="http://schemas.openxmlformats.org/officeDocument/2006/math">
+                      <m:sSub>
+                        <m:sSubPr>
+                          <m:ctrlPr>
+                            <a:rPr lang="en-GB" i="1" smtClean="0">
+                              <a:solidFill>
+                                <a:schemeClr val="tx1"/>
+                              </a:solidFill>
+                              <a:latin typeface="Cambria Math" panose="02040503050406030204" pitchFamily="18" charset="0"/>
+                              <a:ea typeface="Cambria Math" panose="02040503050406030204" pitchFamily="18" charset="0"/>
+                            </a:rPr>
+                          </m:ctrlPr>
+                        </m:sSubPr>
+                        <m:e>
+                          <m:r>
+                            <a:rPr lang="en-GB" i="1" smtClean="0">
+                              <a:solidFill>
+                                <a:schemeClr val="tx1"/>
+                              </a:solidFill>
+                              <a:latin typeface="Cambria Math" panose="02040503050406030204" pitchFamily="18" charset="0"/>
+                              <a:ea typeface="Cambria Math" panose="02040503050406030204" pitchFamily="18" charset="0"/>
+                            </a:rPr>
+                            <m:t>𝜎</m:t>
+                          </m:r>
+                          <m:r>
+                            <a:rPr lang="en-GB" b="0" i="1" smtClean="0">
+                              <a:solidFill>
+                                <a:schemeClr val="tx1"/>
+                              </a:solidFill>
+                              <a:latin typeface="Cambria Math" panose="02040503050406030204" pitchFamily="18" charset="0"/>
+                              <a:ea typeface="Cambria Math" panose="02040503050406030204" pitchFamily="18" charset="0"/>
+                            </a:rPr>
+                            <m:t>, </m:t>
+                          </m:r>
+                          <m:r>
+                            <a:rPr lang="en-GB" i="1">
+                              <a:latin typeface="Cambria Math" panose="02040503050406030204" pitchFamily="18" charset="0"/>
+                              <a:ea typeface="Cambria Math" panose="02040503050406030204" pitchFamily="18" charset="0"/>
+                            </a:rPr>
+                            <m:t>𝑎</m:t>
+                          </m:r>
+                        </m:e>
+                        <m:sub>
+                          <m:r>
+                            <a:rPr lang="en-GB" b="0" i="1" smtClean="0">
+                              <a:solidFill>
+                                <a:schemeClr val="tx1"/>
+                              </a:solidFill>
+                              <a:latin typeface="Cambria Math" panose="02040503050406030204" pitchFamily="18" charset="0"/>
+                              <a:ea typeface="Cambria Math" panose="02040503050406030204" pitchFamily="18" charset="0"/>
+                            </a:rPr>
+                            <m:t>𝑠𝑎𝑡</m:t>
+                          </m:r>
+                        </m:sub>
+                      </m:sSub>
+                    </m:oMath>
+                  </m:oMathPara>
+                </a14:m>
+                <a:endParaRPr lang="en-US" dirty="0">
+                  <a:solidFill>
+                    <a:schemeClr val="tx1"/>
+                  </a:solidFill>
+                </a:endParaRPr>
+              </a:p>
+            </p:txBody>
+          </p:sp>
+        </mc:Choice>
+        <mc:Fallback xmlns="">
+          <p:sp>
+            <p:nvSpPr>
+              <p:cNvPr id="63" name="Rectangle 62">
+                <a:extLst>
+                  <a:ext uri="{FF2B5EF4-FFF2-40B4-BE49-F238E27FC236}">
+                    <a16:creationId xmlns:a16="http://schemas.microsoft.com/office/drawing/2014/main" id="{C9B68D0B-90DC-CE4D-96F7-A3C5BE4C3F0C}"/>
+                  </a:ext>
+                </a:extLst>
+              </p:cNvPr>
+              <p:cNvSpPr>
+                <a:spLocks noRot="1" noChangeAspect="1" noMove="1" noResize="1" noEditPoints="1" noAdjustHandles="1" noChangeArrowheads="1" noChangeShapeType="1" noTextEdit="1"/>
+              </p:cNvSpPr>
+              <p:nvPr/>
+            </p:nvSpPr>
+            <p:spPr>
+              <a:xfrm>
+                <a:off x="3146173" y="3160975"/>
+                <a:ext cx="867995" cy="369332"/>
+              </a:xfrm>
+              <a:prstGeom prst="rect">
+                <a:avLst/>
+              </a:prstGeom>
+              <a:blipFill>
+                <a:blip r:embed="rId3"/>
+                <a:stretch>
+                  <a:fillRect/>
+                </a:stretch>
+              </a:blipFill>
+            </p:spPr>
+            <p:txBody>
+              <a:bodyPr/>
+              <a:lstStyle/>
+              <a:p>
+                <a:r>
+                  <a:rPr lang="en-US">
+                    <a:noFill/>
+                  </a:rPr>
+                  <a:t> </a:t>
+                </a:r>
+              </a:p>
+            </p:txBody>
+          </p:sp>
+        </mc:Fallback>
+      </mc:AlternateContent>
+      <mc:AlternateContent xmlns:mc="http://schemas.openxmlformats.org/markup-compatibility/2006" xmlns:a14="http://schemas.microsoft.com/office/drawing/2010/main">
+        <mc:Choice Requires="a14">
+          <p:sp>
+            <p:nvSpPr>
+              <p:cNvPr id="64" name="Rectangle 63">
+                <a:extLst>
+                  <a:ext uri="{FF2B5EF4-FFF2-40B4-BE49-F238E27FC236}">
+                    <a16:creationId xmlns:a16="http://schemas.microsoft.com/office/drawing/2014/main" id="{46F4C870-3D25-E345-8054-383242E5BBFF}"/>
+                  </a:ext>
+                </a:extLst>
+              </p:cNvPr>
+              <p:cNvSpPr/>
+              <p:nvPr/>
+            </p:nvSpPr>
+            <p:spPr>
+              <a:xfrm>
+                <a:off x="3828701" y="1345340"/>
+                <a:ext cx="370934" cy="369332"/>
+              </a:xfrm>
+              <a:prstGeom prst="rect">
+                <a:avLst/>
+              </a:prstGeom>
+            </p:spPr>
+            <p:txBody>
+              <a:bodyPr wrap="none">
+                <a:spAutoFit/>
+              </a:bodyPr>
+              <a:lstStyle/>
+              <a:p>
+                <a:pPr/>
+                <a14:m>
+                  <m:oMathPara xmlns:m="http://schemas.openxmlformats.org/officeDocument/2006/math">
+                    <m:oMathParaPr>
+                      <m:jc m:val="centerGroup"/>
+                    </m:oMathParaPr>
+                    <m:oMath xmlns:m="http://schemas.openxmlformats.org/officeDocument/2006/math">
+                      <m:r>
+                        <a:rPr lang="en-GB" i="1" smtClean="0">
+                          <a:solidFill>
+                            <a:schemeClr val="tx1"/>
+                          </a:solidFill>
+                          <a:latin typeface="Cambria Math" panose="02040503050406030204" pitchFamily="18" charset="0"/>
+                          <a:ea typeface="Cambria Math" panose="02040503050406030204" pitchFamily="18" charset="0"/>
+                        </a:rPr>
+                        <m:t>𝑘</m:t>
+                      </m:r>
+                    </m:oMath>
+                  </m:oMathPara>
+                </a14:m>
+                <a:endParaRPr lang="en-US" dirty="0">
+                  <a:solidFill>
+                    <a:schemeClr val="tx1"/>
+                  </a:solidFill>
+                </a:endParaRPr>
+              </a:p>
+            </p:txBody>
+          </p:sp>
+        </mc:Choice>
+        <mc:Fallback xmlns="">
+          <p:sp>
+            <p:nvSpPr>
+              <p:cNvPr id="64" name="Rectangle 63">
+                <a:extLst>
+                  <a:ext uri="{FF2B5EF4-FFF2-40B4-BE49-F238E27FC236}">
+                    <a16:creationId xmlns:a16="http://schemas.microsoft.com/office/drawing/2014/main" id="{46F4C870-3D25-E345-8054-383242E5BBFF}"/>
+                  </a:ext>
+                </a:extLst>
+              </p:cNvPr>
+              <p:cNvSpPr>
+                <a:spLocks noRot="1" noChangeAspect="1" noMove="1" noResize="1" noEditPoints="1" noAdjustHandles="1" noChangeArrowheads="1" noChangeShapeType="1" noTextEdit="1"/>
+              </p:cNvSpPr>
+              <p:nvPr/>
+            </p:nvSpPr>
+            <p:spPr>
+              <a:xfrm>
+                <a:off x="3828701" y="1345340"/>
+                <a:ext cx="370934" cy="369332"/>
+              </a:xfrm>
+              <a:prstGeom prst="rect">
+                <a:avLst/>
+              </a:prstGeom>
+              <a:blipFill>
+                <a:blip r:embed="rId4"/>
+                <a:stretch>
+                  <a:fillRect/>
+                </a:stretch>
+              </a:blipFill>
+            </p:spPr>
+            <p:txBody>
+              <a:bodyPr/>
+              <a:lstStyle/>
+              <a:p>
+                <a:r>
+                  <a:rPr lang="en-US">
+                    <a:noFill/>
+                  </a:rPr>
+                  <a:t> </a:t>
+                </a:r>
+              </a:p>
+            </p:txBody>
+          </p:sp>
+        </mc:Fallback>
+      </mc:AlternateContent>
+      <p:cxnSp>
+        <p:nvCxnSpPr>
+          <p:cNvPr id="65" name="Straight Connector 64">
+            <a:extLst>
+              <a:ext uri="{FF2B5EF4-FFF2-40B4-BE49-F238E27FC236}">
+                <a16:creationId xmlns:a16="http://schemas.microsoft.com/office/drawing/2014/main" id="{FDA72E98-B4E9-8444-A45B-648FD99EDE75}"/>
+              </a:ext>
+            </a:extLst>
+          </p:cNvPr>
+          <p:cNvCxnSpPr>
+            <a:cxnSpLocks/>
+          </p:cNvCxnSpPr>
+          <p:nvPr/>
+        </p:nvCxnSpPr>
+        <p:spPr>
+          <a:xfrm>
+            <a:off x="4644541" y="2795765"/>
+            <a:ext cx="1055010" cy="439344"/>
+          </a:xfrm>
+          <a:prstGeom prst="line">
+            <a:avLst/>
+          </a:prstGeom>
+          <a:ln>
+            <a:solidFill>
+              <a:schemeClr val="tx1"/>
+            </a:solidFill>
+            <a:headEnd type="none"/>
+            <a:tailEnd type="triangle"/>
+          </a:ln>
+          <a:effectLst/>
+        </p:spPr>
+        <p:style>
+          <a:lnRef idx="2">
+            <a:schemeClr val="accent1"/>
+          </a:lnRef>
+          <a:fillRef idx="0">
+            <a:schemeClr val="accent1"/>
+          </a:fillRef>
+          <a:effectRef idx="1">
+            <a:schemeClr val="accent1"/>
+          </a:effectRef>
+          <a:fontRef idx="minor">
+            <a:schemeClr val="tx1"/>
+          </a:fontRef>
+        </p:style>
+      </p:cxnSp>
+      <p:cxnSp>
+        <p:nvCxnSpPr>
+          <p:cNvPr id="68" name="Straight Connector 67">
+            <a:extLst>
+              <a:ext uri="{FF2B5EF4-FFF2-40B4-BE49-F238E27FC236}">
+                <a16:creationId xmlns:a16="http://schemas.microsoft.com/office/drawing/2014/main" id="{B664A5B3-202F-0145-B182-1AE9C50AD41C}"/>
+              </a:ext>
+            </a:extLst>
+          </p:cNvPr>
+          <p:cNvCxnSpPr>
+            <a:cxnSpLocks/>
+          </p:cNvCxnSpPr>
+          <p:nvPr/>
+        </p:nvCxnSpPr>
+        <p:spPr>
+          <a:xfrm>
+            <a:off x="4644541" y="2792825"/>
+            <a:ext cx="459087" cy="779942"/>
+          </a:xfrm>
+          <a:prstGeom prst="line">
+            <a:avLst/>
+          </a:prstGeom>
+          <a:ln>
+            <a:solidFill>
+              <a:schemeClr val="tx1"/>
+            </a:solidFill>
+            <a:headEnd type="none"/>
+            <a:tailEnd type="triangle"/>
+          </a:ln>
+          <a:effectLst/>
+        </p:spPr>
+        <p:style>
+          <a:lnRef idx="2">
+            <a:schemeClr val="accent1"/>
+          </a:lnRef>
+          <a:fillRef idx="0">
+            <a:schemeClr val="accent1"/>
+          </a:fillRef>
+          <a:effectRef idx="1">
+            <a:schemeClr val="accent1"/>
+          </a:effectRef>
+          <a:fontRef idx="minor">
+            <a:schemeClr val="tx1"/>
+          </a:fontRef>
+        </p:style>
+      </p:cxnSp>
+      <mc:AlternateContent xmlns:mc="http://schemas.openxmlformats.org/markup-compatibility/2006" xmlns:a14="http://schemas.microsoft.com/office/drawing/2010/main">
+        <mc:Choice Requires="a14">
+          <p:sp>
+            <p:nvSpPr>
+              <p:cNvPr id="76" name="Rectangle 75">
+                <a:extLst>
+                  <a:ext uri="{FF2B5EF4-FFF2-40B4-BE49-F238E27FC236}">
+                    <a16:creationId xmlns:a16="http://schemas.microsoft.com/office/drawing/2014/main" id="{59D257FA-E0F9-AB40-8C56-608BC3404298}"/>
+                  </a:ext>
+                </a:extLst>
+              </p:cNvPr>
+              <p:cNvSpPr/>
+              <p:nvPr/>
+            </p:nvSpPr>
+            <p:spPr>
+              <a:xfrm>
+                <a:off x="4506671" y="2169076"/>
+                <a:ext cx="406457" cy="307777"/>
+              </a:xfrm>
+              <a:prstGeom prst="rect">
+                <a:avLst/>
+              </a:prstGeom>
+            </p:spPr>
+            <p:txBody>
+              <a:bodyPr wrap="none">
+                <a:spAutoFit/>
+              </a:bodyPr>
+              <a:lstStyle/>
+              <a:p>
+                <a:pPr/>
+                <a14:m>
+                  <m:oMathPara xmlns:m="http://schemas.openxmlformats.org/officeDocument/2006/math">
+                    <m:oMathParaPr>
+                      <m:jc m:val="centerGroup"/>
+                    </m:oMathParaPr>
+                    <m:oMath xmlns:m="http://schemas.openxmlformats.org/officeDocument/2006/math">
+                      <m:r>
+                        <a:rPr lang="en-GB" sz="1400" i="1">
+                          <a:latin typeface="Cambria Math" panose="02040503050406030204" pitchFamily="18" charset="0"/>
+                          <a:ea typeface="Cambria Math" panose="02040503050406030204" pitchFamily="18" charset="0"/>
+                        </a:rPr>
+                        <m:t>𝑓</m:t>
+                      </m:r>
+                      <m:r>
+                        <a:rPr lang="en-GB" sz="1400" i="1" baseline="-25000">
+                          <a:solidFill>
+                            <a:srgbClr val="00B050"/>
+                          </a:solidFill>
+                          <a:latin typeface="Cambria Math" panose="02040503050406030204" pitchFamily="18" charset="0"/>
+                          <a:ea typeface="Cambria Math" panose="02040503050406030204" pitchFamily="18" charset="0"/>
+                        </a:rPr>
+                        <m:t>𝐸</m:t>
+                      </m:r>
+                    </m:oMath>
+                  </m:oMathPara>
+                </a14:m>
+                <a:endParaRPr lang="en-US" sz="1400" dirty="0"/>
+              </a:p>
+            </p:txBody>
+          </p:sp>
+        </mc:Choice>
+        <mc:Fallback xmlns="">
+          <p:sp>
+            <p:nvSpPr>
+              <p:cNvPr id="76" name="Rectangle 75">
+                <a:extLst>
+                  <a:ext uri="{FF2B5EF4-FFF2-40B4-BE49-F238E27FC236}">
+                    <a16:creationId xmlns:a16="http://schemas.microsoft.com/office/drawing/2014/main" id="{59D257FA-E0F9-AB40-8C56-608BC3404298}"/>
+                  </a:ext>
+                </a:extLst>
+              </p:cNvPr>
+              <p:cNvSpPr>
+                <a:spLocks noRot="1" noChangeAspect="1" noMove="1" noResize="1" noEditPoints="1" noAdjustHandles="1" noChangeArrowheads="1" noChangeShapeType="1" noTextEdit="1"/>
+              </p:cNvSpPr>
+              <p:nvPr/>
+            </p:nvSpPr>
+            <p:spPr>
+              <a:xfrm>
+                <a:off x="4506671" y="2169076"/>
+                <a:ext cx="406457" cy="307777"/>
+              </a:xfrm>
+              <a:prstGeom prst="rect">
+                <a:avLst/>
+              </a:prstGeom>
+              <a:blipFill>
+                <a:blip r:embed="rId5"/>
+                <a:stretch>
+                  <a:fillRect b="-8000"/>
+                </a:stretch>
+              </a:blipFill>
+            </p:spPr>
+            <p:txBody>
+              <a:bodyPr/>
+              <a:lstStyle/>
+              <a:p>
+                <a:r>
+                  <a:rPr lang="en-US">
+                    <a:noFill/>
+                  </a:rPr>
+                  <a:t> </a:t>
+                </a:r>
+              </a:p>
+            </p:txBody>
+          </p:sp>
+        </mc:Fallback>
+      </mc:AlternateContent>
+      <mc:AlternateContent xmlns:mc="http://schemas.openxmlformats.org/markup-compatibility/2006" xmlns:a14="http://schemas.microsoft.com/office/drawing/2010/main">
+        <mc:Choice Requires="a14">
+          <p:sp>
+            <p:nvSpPr>
+              <p:cNvPr id="77" name="Rectangle 76">
+                <a:extLst>
+                  <a:ext uri="{FF2B5EF4-FFF2-40B4-BE49-F238E27FC236}">
+                    <a16:creationId xmlns:a16="http://schemas.microsoft.com/office/drawing/2014/main" id="{79AD12FA-D92D-1B42-A1F3-FB838B4858A0}"/>
+                  </a:ext>
+                </a:extLst>
+              </p:cNvPr>
+              <p:cNvSpPr/>
+              <p:nvPr/>
+            </p:nvSpPr>
+            <p:spPr>
+              <a:xfrm>
+                <a:off x="4538236" y="3075271"/>
+                <a:ext cx="394082" cy="307777"/>
+              </a:xfrm>
+              <a:prstGeom prst="rect">
+                <a:avLst/>
+              </a:prstGeom>
+            </p:spPr>
+            <p:txBody>
+              <a:bodyPr wrap="none">
+                <a:spAutoFit/>
+              </a:bodyPr>
+              <a:lstStyle/>
+              <a:p>
+                <a:pPr/>
+                <a14:m>
+                  <m:oMathPara xmlns:m="http://schemas.openxmlformats.org/officeDocument/2006/math">
+                    <m:oMathParaPr>
+                      <m:jc m:val="centerGroup"/>
+                    </m:oMathParaPr>
+                    <m:oMath xmlns:m="http://schemas.openxmlformats.org/officeDocument/2006/math">
+                      <m:sSub>
+                        <m:sSubPr>
+                          <m:ctrlPr>
+                            <a:rPr lang="en-GB" sz="1400" i="1">
+                              <a:latin typeface="Cambria Math" panose="02040503050406030204" pitchFamily="18" charset="0"/>
+                              <a:ea typeface="Cambria Math" panose="02040503050406030204" pitchFamily="18" charset="0"/>
+                            </a:rPr>
+                          </m:ctrlPr>
+                        </m:sSubPr>
+                        <m:e>
+                          <m:r>
+                            <a:rPr lang="en-GB" sz="1400" i="1">
+                              <a:latin typeface="Cambria Math" panose="02040503050406030204" pitchFamily="18" charset="0"/>
+                              <a:ea typeface="Cambria Math" panose="02040503050406030204" pitchFamily="18" charset="0"/>
+                            </a:rPr>
+                            <m:t>𝑓</m:t>
+                          </m:r>
+                        </m:e>
+                        <m:sub>
+                          <m:r>
+                            <a:rPr lang="en-GB" sz="1400" i="1">
+                              <a:solidFill>
+                                <a:srgbClr val="0432FF"/>
+                              </a:solidFill>
+                              <a:latin typeface="Cambria Math" panose="02040503050406030204" pitchFamily="18" charset="0"/>
+                              <a:ea typeface="Cambria Math" panose="02040503050406030204" pitchFamily="18" charset="0"/>
+                            </a:rPr>
+                            <m:t>𝑅</m:t>
+                          </m:r>
+                        </m:sub>
+                      </m:sSub>
+                    </m:oMath>
+                  </m:oMathPara>
+                </a14:m>
+                <a:endParaRPr lang="en-US" sz="1400" dirty="0"/>
+              </a:p>
+            </p:txBody>
+          </p:sp>
+        </mc:Choice>
+        <mc:Fallback xmlns="">
+          <p:sp>
+            <p:nvSpPr>
+              <p:cNvPr id="77" name="Rectangle 76">
+                <a:extLst>
+                  <a:ext uri="{FF2B5EF4-FFF2-40B4-BE49-F238E27FC236}">
+                    <a16:creationId xmlns:a16="http://schemas.microsoft.com/office/drawing/2014/main" id="{79AD12FA-D92D-1B42-A1F3-FB838B4858A0}"/>
+                  </a:ext>
+                </a:extLst>
+              </p:cNvPr>
+              <p:cNvSpPr>
+                <a:spLocks noRot="1" noChangeAspect="1" noMove="1" noResize="1" noEditPoints="1" noAdjustHandles="1" noChangeArrowheads="1" noChangeShapeType="1" noTextEdit="1"/>
+              </p:cNvSpPr>
+              <p:nvPr/>
+            </p:nvSpPr>
+            <p:spPr>
+              <a:xfrm>
+                <a:off x="4538236" y="3075271"/>
+                <a:ext cx="394082" cy="307777"/>
+              </a:xfrm>
+              <a:prstGeom prst="rect">
+                <a:avLst/>
+              </a:prstGeom>
+              <a:blipFill>
+                <a:blip r:embed="rId6"/>
+                <a:stretch>
+                  <a:fillRect b="-8000"/>
+                </a:stretch>
+              </a:blipFill>
+            </p:spPr>
+            <p:txBody>
+              <a:bodyPr/>
+              <a:lstStyle/>
+              <a:p>
+                <a:r>
+                  <a:rPr lang="en-US">
+                    <a:noFill/>
+                  </a:rPr>
+                  <a:t> </a:t>
+                </a:r>
+              </a:p>
+            </p:txBody>
+          </p:sp>
+        </mc:Fallback>
+      </mc:AlternateContent>
+      <mc:AlternateContent xmlns:mc="http://schemas.openxmlformats.org/markup-compatibility/2006" xmlns:a14="http://schemas.microsoft.com/office/drawing/2010/main">
+        <mc:Choice Requires="a14">
+          <p:sp>
+            <p:nvSpPr>
+              <p:cNvPr id="78" name="Rectangle 77">
+                <a:extLst>
+                  <a:ext uri="{FF2B5EF4-FFF2-40B4-BE49-F238E27FC236}">
+                    <a16:creationId xmlns:a16="http://schemas.microsoft.com/office/drawing/2014/main" id="{4645A9C5-0659-AE42-A74A-467669B30D44}"/>
+                  </a:ext>
+                </a:extLst>
+              </p:cNvPr>
+              <p:cNvSpPr/>
+              <p:nvPr/>
+            </p:nvSpPr>
+            <p:spPr>
+              <a:xfrm>
+                <a:off x="5494101" y="2484079"/>
+                <a:ext cx="409406" cy="307777"/>
+              </a:xfrm>
+              <a:prstGeom prst="rect">
+                <a:avLst/>
+              </a:prstGeom>
+            </p:spPr>
+            <p:txBody>
+              <a:bodyPr wrap="none">
+                <a:spAutoFit/>
+              </a:bodyPr>
+              <a:lstStyle/>
+              <a:p>
+                <a:pPr/>
+                <a14:m>
+                  <m:oMathPara xmlns:m="http://schemas.openxmlformats.org/officeDocument/2006/math">
+                    <m:oMathParaPr>
+                      <m:jc m:val="centerGroup"/>
+                    </m:oMathParaPr>
+                    <m:oMath xmlns:m="http://schemas.openxmlformats.org/officeDocument/2006/math">
+                      <m:r>
+                        <a:rPr lang="en-GB" sz="1400" i="1">
+                          <a:latin typeface="Cambria Math" panose="02040503050406030204" pitchFamily="18" charset="0"/>
+                          <a:ea typeface="Cambria Math" panose="02040503050406030204" pitchFamily="18" charset="0"/>
+                        </a:rPr>
+                        <m:t>𝑓</m:t>
+                      </m:r>
+                      <m:r>
+                        <a:rPr lang="en-GB" sz="1400" i="1" baseline="-25000">
+                          <a:solidFill>
+                            <a:schemeClr val="bg1">
+                              <a:lumMod val="50000"/>
+                            </a:schemeClr>
+                          </a:solidFill>
+                          <a:latin typeface="Cambria Math" panose="02040503050406030204" pitchFamily="18" charset="0"/>
+                          <a:ea typeface="Cambria Math" panose="02040503050406030204" pitchFamily="18" charset="0"/>
+                        </a:rPr>
+                        <m:t>𝑈</m:t>
+                      </m:r>
+                    </m:oMath>
+                  </m:oMathPara>
+                </a14:m>
+                <a:endParaRPr lang="en-US" sz="1400" dirty="0"/>
+              </a:p>
+            </p:txBody>
+          </p:sp>
+        </mc:Choice>
+        <mc:Fallback xmlns="">
+          <p:sp>
+            <p:nvSpPr>
+              <p:cNvPr id="78" name="Rectangle 77">
+                <a:extLst>
+                  <a:ext uri="{FF2B5EF4-FFF2-40B4-BE49-F238E27FC236}">
+                    <a16:creationId xmlns:a16="http://schemas.microsoft.com/office/drawing/2014/main" id="{4645A9C5-0659-AE42-A74A-467669B30D44}"/>
+                  </a:ext>
+                </a:extLst>
+              </p:cNvPr>
+              <p:cNvSpPr>
+                <a:spLocks noRot="1" noChangeAspect="1" noMove="1" noResize="1" noEditPoints="1" noAdjustHandles="1" noChangeArrowheads="1" noChangeShapeType="1" noTextEdit="1"/>
+              </p:cNvSpPr>
+              <p:nvPr/>
+            </p:nvSpPr>
+            <p:spPr>
+              <a:xfrm>
+                <a:off x="5494101" y="2484079"/>
+                <a:ext cx="409406" cy="307777"/>
+              </a:xfrm>
+              <a:prstGeom prst="rect">
+                <a:avLst/>
+              </a:prstGeom>
+              <a:blipFill>
+                <a:blip r:embed="rId7"/>
+                <a:stretch>
+                  <a:fillRect b="-4000"/>
+                </a:stretch>
+              </a:blipFill>
+            </p:spPr>
+            <p:txBody>
+              <a:bodyPr/>
+              <a:lstStyle/>
+              <a:p>
+                <a:r>
+                  <a:rPr lang="en-US">
+                    <a:noFill/>
+                  </a:rPr>
+                  <a:t> </a:t>
+                </a:r>
+              </a:p>
+            </p:txBody>
+          </p:sp>
+        </mc:Fallback>
+      </mc:AlternateContent>
+      <mc:AlternateContent xmlns:mc="http://schemas.openxmlformats.org/markup-compatibility/2006" xmlns:a14="http://schemas.microsoft.com/office/drawing/2010/main">
+        <mc:Choice Requires="a14">
+          <p:sp>
+            <p:nvSpPr>
+              <p:cNvPr id="79" name="Rectangle 78">
+                <a:extLst>
+                  <a:ext uri="{FF2B5EF4-FFF2-40B4-BE49-F238E27FC236}">
+                    <a16:creationId xmlns:a16="http://schemas.microsoft.com/office/drawing/2014/main" id="{810CFDC6-7C70-8642-BCC1-2C9CD6D5BBDF}"/>
+                  </a:ext>
+                </a:extLst>
+              </p:cNvPr>
+              <p:cNvSpPr/>
+              <p:nvPr/>
+            </p:nvSpPr>
+            <p:spPr>
+              <a:xfrm>
+                <a:off x="5069482" y="3010116"/>
+                <a:ext cx="392993" cy="307777"/>
+              </a:xfrm>
+              <a:prstGeom prst="rect">
+                <a:avLst/>
+              </a:prstGeom>
+            </p:spPr>
+            <p:txBody>
+              <a:bodyPr wrap="none">
+                <a:spAutoFit/>
+              </a:bodyPr>
+              <a:lstStyle/>
+              <a:p>
+                <a:pPr/>
+                <a14:m>
+                  <m:oMathPara xmlns:m="http://schemas.openxmlformats.org/officeDocument/2006/math">
+                    <m:oMathParaPr>
+                      <m:jc m:val="centerGroup"/>
+                    </m:oMathParaPr>
+                    <m:oMath xmlns:m="http://schemas.openxmlformats.org/officeDocument/2006/math">
+                      <m:sSub>
+                        <m:sSubPr>
+                          <m:ctrlPr>
+                            <a:rPr lang="en-GB" sz="1400" i="1">
+                              <a:latin typeface="Cambria Math" panose="02040503050406030204" pitchFamily="18" charset="0"/>
+                              <a:ea typeface="Cambria Math" panose="02040503050406030204" pitchFamily="18" charset="0"/>
+                            </a:rPr>
+                          </m:ctrlPr>
+                        </m:sSubPr>
+                        <m:e>
+                          <m:r>
+                            <a:rPr lang="en-GB" sz="1400" i="1">
+                              <a:latin typeface="Cambria Math" panose="02040503050406030204" pitchFamily="18" charset="0"/>
+                              <a:ea typeface="Cambria Math" panose="02040503050406030204" pitchFamily="18" charset="0"/>
+                            </a:rPr>
+                            <m:t>𝑓</m:t>
+                          </m:r>
+                        </m:e>
+                        <m:sub>
+                          <m:r>
+                            <a:rPr lang="en-GB" sz="1400" i="1">
+                              <a:solidFill>
+                                <a:srgbClr val="FF0000"/>
+                              </a:solidFill>
+                              <a:latin typeface="Cambria Math" panose="02040503050406030204" pitchFamily="18" charset="0"/>
+                              <a:ea typeface="Cambria Math" panose="02040503050406030204" pitchFamily="18" charset="0"/>
+                            </a:rPr>
+                            <m:t>𝑋</m:t>
+                          </m:r>
+                        </m:sub>
+                      </m:sSub>
+                    </m:oMath>
+                  </m:oMathPara>
+                </a14:m>
+                <a:endParaRPr lang="en-US" sz="1400" dirty="0"/>
+              </a:p>
+            </p:txBody>
+          </p:sp>
+        </mc:Choice>
+        <mc:Fallback xmlns="">
+          <p:sp>
+            <p:nvSpPr>
+              <p:cNvPr id="79" name="Rectangle 78">
+                <a:extLst>
+                  <a:ext uri="{FF2B5EF4-FFF2-40B4-BE49-F238E27FC236}">
+                    <a16:creationId xmlns:a16="http://schemas.microsoft.com/office/drawing/2014/main" id="{810CFDC6-7C70-8642-BCC1-2C9CD6D5BBDF}"/>
+                  </a:ext>
+                </a:extLst>
+              </p:cNvPr>
+              <p:cNvSpPr>
+                <a:spLocks noRot="1" noChangeAspect="1" noMove="1" noResize="1" noEditPoints="1" noAdjustHandles="1" noChangeArrowheads="1" noChangeShapeType="1" noTextEdit="1"/>
+              </p:cNvSpPr>
+              <p:nvPr/>
+            </p:nvSpPr>
+            <p:spPr>
+              <a:xfrm>
+                <a:off x="5069482" y="3010116"/>
+                <a:ext cx="392993" cy="307777"/>
+              </a:xfrm>
+              <a:prstGeom prst="rect">
+                <a:avLst/>
+              </a:prstGeom>
+              <a:blipFill>
+                <a:blip r:embed="rId8"/>
+                <a:stretch>
+                  <a:fillRect b="-8000"/>
+                </a:stretch>
+              </a:blipFill>
+            </p:spPr>
+            <p:txBody>
+              <a:bodyPr/>
+              <a:lstStyle/>
+              <a:p>
+                <a:r>
+                  <a:rPr lang="en-US">
+                    <a:noFill/>
+                  </a:rPr>
+                  <a:t> </a:t>
+                </a:r>
+              </a:p>
+            </p:txBody>
+          </p:sp>
+        </mc:Fallback>
+      </mc:AlternateContent>
+      <mc:AlternateContent xmlns:mc="http://schemas.openxmlformats.org/markup-compatibility/2006" xmlns:a14="http://schemas.microsoft.com/office/drawing/2010/main">
+        <mc:Choice Requires="a14">
+          <p:sp>
+            <p:nvSpPr>
+              <p:cNvPr id="80" name="Rectangle 79">
+                <a:extLst>
+                  <a:ext uri="{FF2B5EF4-FFF2-40B4-BE49-F238E27FC236}">
+                    <a16:creationId xmlns:a16="http://schemas.microsoft.com/office/drawing/2014/main" id="{F09709FC-DE11-A140-8537-5147AD31F505}"/>
+                  </a:ext>
+                </a:extLst>
+              </p:cNvPr>
+              <p:cNvSpPr/>
+              <p:nvPr/>
+            </p:nvSpPr>
+            <p:spPr>
+              <a:xfrm>
+                <a:off x="5026138" y="2213061"/>
+                <a:ext cx="398442" cy="323037"/>
+              </a:xfrm>
+              <a:prstGeom prst="rect">
+                <a:avLst/>
+              </a:prstGeom>
+            </p:spPr>
+            <p:txBody>
+              <a:bodyPr wrap="none">
+                <a:spAutoFit/>
+              </a:bodyPr>
+              <a:lstStyle/>
+              <a:p>
+                <a:pPr/>
+                <a14:m>
+                  <m:oMathPara xmlns:m="http://schemas.openxmlformats.org/officeDocument/2006/math">
+                    <m:oMathParaPr>
+                      <m:jc m:val="centerGroup"/>
+                    </m:oMathParaPr>
+                    <m:oMath xmlns:m="http://schemas.openxmlformats.org/officeDocument/2006/math">
+                      <m:sSub>
+                        <m:sSubPr>
+                          <m:ctrlPr>
+                            <a:rPr lang="en-GB" sz="1400" i="1">
+                              <a:latin typeface="Cambria Math" panose="02040503050406030204" pitchFamily="18" charset="0"/>
+                              <a:ea typeface="Cambria Math" panose="02040503050406030204" pitchFamily="18" charset="0"/>
+                            </a:rPr>
+                          </m:ctrlPr>
+                        </m:sSubPr>
+                        <m:e>
+                          <m:r>
+                            <a:rPr lang="en-GB" sz="1400" i="1">
+                              <a:latin typeface="Cambria Math" panose="02040503050406030204" pitchFamily="18" charset="0"/>
+                              <a:ea typeface="Cambria Math" panose="02040503050406030204" pitchFamily="18" charset="0"/>
+                            </a:rPr>
+                            <m:t>𝑓</m:t>
+                          </m:r>
+                        </m:e>
+                        <m:sub>
+                          <m:r>
+                            <a:rPr lang="en-GB" sz="1400" i="1">
+                              <a:solidFill>
+                                <a:srgbClr val="AB7942"/>
+                              </a:solidFill>
+                              <a:latin typeface="Cambria Math" panose="02040503050406030204" pitchFamily="18" charset="0"/>
+                              <a:ea typeface="Cambria Math" panose="02040503050406030204" pitchFamily="18" charset="0"/>
+                            </a:rPr>
+                            <m:t>𝑄</m:t>
+                          </m:r>
+                        </m:sub>
+                      </m:sSub>
+                    </m:oMath>
+                  </m:oMathPara>
+                </a14:m>
+                <a:endParaRPr lang="en-US" sz="1400" dirty="0"/>
+              </a:p>
+            </p:txBody>
+          </p:sp>
+        </mc:Choice>
+        <mc:Fallback xmlns="">
+          <p:sp>
+            <p:nvSpPr>
+              <p:cNvPr id="80" name="Rectangle 79">
+                <a:extLst>
+                  <a:ext uri="{FF2B5EF4-FFF2-40B4-BE49-F238E27FC236}">
+                    <a16:creationId xmlns:a16="http://schemas.microsoft.com/office/drawing/2014/main" id="{F09709FC-DE11-A140-8537-5147AD31F505}"/>
+                  </a:ext>
+                </a:extLst>
+              </p:cNvPr>
+              <p:cNvSpPr>
+                <a:spLocks noRot="1" noChangeAspect="1" noMove="1" noResize="1" noEditPoints="1" noAdjustHandles="1" noChangeArrowheads="1" noChangeShapeType="1" noTextEdit="1"/>
+              </p:cNvSpPr>
+              <p:nvPr/>
+            </p:nvSpPr>
+            <p:spPr>
+              <a:xfrm>
+                <a:off x="5026138" y="2213061"/>
+                <a:ext cx="398442" cy="323037"/>
+              </a:xfrm>
+              <a:prstGeom prst="rect">
+                <a:avLst/>
+              </a:prstGeom>
+              <a:blipFill>
+                <a:blip r:embed="rId9"/>
+                <a:stretch>
+                  <a:fillRect/>
+                </a:stretch>
+              </a:blipFill>
+            </p:spPr>
+            <p:txBody>
+              <a:bodyPr/>
+              <a:lstStyle/>
+              <a:p>
+                <a:r>
+                  <a:rPr lang="en-US">
+                    <a:noFill/>
+                  </a:rPr>
+                  <a:t> </a:t>
+                </a:r>
+              </a:p>
+            </p:txBody>
+          </p:sp>
+        </mc:Fallback>
+      </mc:AlternateContent>
+      <p:sp>
+        <p:nvSpPr>
+          <p:cNvPr id="82" name="TextBox 81">
+            <a:extLst>
+              <a:ext uri="{FF2B5EF4-FFF2-40B4-BE49-F238E27FC236}">
+                <a16:creationId xmlns:a16="http://schemas.microsoft.com/office/drawing/2014/main" id="{20E26DDF-72D9-0049-A348-0C1A9C12563A}"/>
+              </a:ext>
+            </a:extLst>
+          </p:cNvPr>
+          <p:cNvSpPr txBox="1"/>
+          <p:nvPr/>
+        </p:nvSpPr>
+        <p:spPr>
+          <a:xfrm>
+            <a:off x="1533221" y="2605284"/>
+            <a:ext cx="1116518" cy="307777"/>
+          </a:xfrm>
+          <a:prstGeom prst="rect">
+            <a:avLst/>
+          </a:prstGeom>
+          <a:noFill/>
+          <a:ln w="19050" cmpd="sng">
+            <a:noFill/>
+          </a:ln>
+        </p:spPr>
+        <p:txBody>
+          <a:bodyPr wrap="square" rtlCol="0" anchor="ctr">
+            <a:spAutoFit/>
+          </a:bodyPr>
+          <a:lstStyle/>
+          <a:p>
+            <a:pPr algn="ctr"/>
+            <a:r>
+              <a:rPr lang="en-US" sz="1400" dirty="0">
+                <a:latin typeface="Arial" panose="020B0604020202020204" pitchFamily="34" charset="0"/>
+                <a:cs typeface="Arial" panose="020B0604020202020204" pitchFamily="34" charset="0"/>
+              </a:rPr>
+              <a:t>nutrients</a:t>
+            </a:r>
+            <a:endParaRPr lang="en-US" sz="1400" baseline="-25000" dirty="0">
+              <a:latin typeface="Arial" panose="020B0604020202020204" pitchFamily="34" charset="0"/>
+              <a:cs typeface="Arial" panose="020B0604020202020204" pitchFamily="34" charset="0"/>
+            </a:endParaRPr>
+          </a:p>
+        </p:txBody>
+      </p:sp>
+    </p:spTree>
+    <p:extLst>
+      <p:ext uri="{BB962C8B-B14F-4D97-AF65-F5344CB8AC3E}">
+        <p14:creationId xmlns:p14="http://schemas.microsoft.com/office/powerpoint/2010/main" val="3447945686"/>
+      </p:ext>
+    </p:extLst>
+  </p:cSld>
+  <p:clrMapOvr>
+    <a:masterClrMapping/>
+  </p:clrMapOvr>
+</p:sld>
+</file>
+
+<file path=ppt/slides/slide2.xml><?xml version="1.0" encoding="utf-8"?>
+<p:sld xmlns:a="http://schemas.openxmlformats.org/drawingml/2006/main" xmlns:r="http://schemas.openxmlformats.org/officeDocument/2006/relationships" xmlns:p="http://schemas.openxmlformats.org/presentationml/2006/main">
+  <p:cSld>
+    <p:spTree>
+      <p:nvGrpSpPr>
+        <p:cNvPr id="1" name=""/>
+        <p:cNvGrpSpPr/>
+        <p:nvPr/>
+      </p:nvGrpSpPr>
+      <p:grpSpPr>
+        <a:xfrm>
+          <a:off x="0" y="0"/>
+          <a:ext cx="0" cy="0"/>
+          <a:chOff x="0" y="0"/>
+          <a:chExt cx="0" cy="0"/>
+        </a:xfrm>
+      </p:grpSpPr>
+      <p:sp>
+        <p:nvSpPr>
+          <p:cNvPr id="35" name="Rectangle 34">
+            <a:extLst>
+              <a:ext uri="{FF2B5EF4-FFF2-40B4-BE49-F238E27FC236}">
+                <a16:creationId xmlns:a16="http://schemas.microsoft.com/office/drawing/2014/main" id="{E342F87F-4BE5-DB4B-9705-CB1D803FFACC}"/>
+              </a:ext>
+            </a:extLst>
+          </p:cNvPr>
+          <p:cNvSpPr/>
+          <p:nvPr/>
+        </p:nvSpPr>
+        <p:spPr>
+          <a:xfrm>
+            <a:off x="3682266" y="3906105"/>
+            <a:ext cx="4063757" cy="805733"/>
+          </a:xfrm>
+          <a:prstGeom prst="rect">
+            <a:avLst/>
+          </a:prstGeom>
+          <a:solidFill>
+            <a:schemeClr val="accent1">
+              <a:lumMod val="40000"/>
+              <a:lumOff val="60000"/>
+            </a:schemeClr>
+          </a:solidFill>
+          <a:ln>
+            <a:noFill/>
+          </a:ln>
+        </p:spPr>
+        <p:style>
+          <a:lnRef idx="2">
+            <a:schemeClr val="accent1">
+              <a:shade val="50000"/>
+            </a:schemeClr>
+          </a:lnRef>
+          <a:fillRef idx="1">
+            <a:schemeClr val="accent1"/>
+          </a:fillRef>
+          <a:effectRef idx="0">
+            <a:schemeClr val="accent1"/>
+          </a:effectRef>
+          <a:fontRef idx="minor">
+            <a:schemeClr val="lt1"/>
+          </a:fontRef>
+        </p:style>
+        <p:txBody>
+          <a:bodyPr rtlCol="0" anchor="ctr"/>
+          <a:lstStyle/>
+          <a:p>
+            <a:pPr algn="ctr"/>
+            <a:endParaRPr lang="en-US">
+              <a:latin typeface="Arial" panose="020B0604020202020204" pitchFamily="34" charset="0"/>
+              <a:cs typeface="Arial" panose="020B0604020202020204" pitchFamily="34" charset="0"/>
+            </a:endParaRPr>
           </a:p>
         </p:txBody>
       </p:sp>
@@ -3432,7 +6751,10 @@
           <a:lstStyle/>
           <a:p>
             <a:pPr algn="ctr"/>
-            <a:endParaRPr lang="en-US"/>
+            <a:endParaRPr lang="en-US">
+              <a:latin typeface="Arial" panose="020B0604020202020204" pitchFamily="34" charset="0"/>
+              <a:cs typeface="Arial" panose="020B0604020202020204" pitchFamily="34" charset="0"/>
+            </a:endParaRPr>
           </a:p>
         </p:txBody>
       </p:sp>
@@ -3487,7 +6809,10 @@
           <a:lstStyle/>
           <a:p>
             <a:pPr algn="ctr"/>
-            <a:endParaRPr lang="en-US"/>
+            <a:endParaRPr lang="en-US">
+              <a:latin typeface="Arial" panose="020B0604020202020204" pitchFamily="34" charset="0"/>
+              <a:cs typeface="Arial" panose="020B0604020202020204" pitchFamily="34" charset="0"/>
+            </a:endParaRPr>
           </a:p>
         </p:txBody>
       </p:sp>
@@ -3526,10 +6851,16 @@
           <a:p>
             <a:pPr algn="ctr"/>
             <a:r>
-              <a:rPr lang="en-US" sz="1600" dirty="0"/>
+              <a:rPr lang="en-US" sz="1600" dirty="0">
+                <a:latin typeface="Arial" panose="020B0604020202020204" pitchFamily="34" charset="0"/>
+                <a:cs typeface="Arial" panose="020B0604020202020204" pitchFamily="34" charset="0"/>
+              </a:rPr>
               <a:t>Cell division</a:t>
             </a:r>
-            <a:endParaRPr lang="en-US" sz="1600" baseline="-25000" dirty="0"/>
+            <a:endParaRPr lang="en-US" sz="1600" baseline="-25000" dirty="0">
+              <a:latin typeface="Arial" panose="020B0604020202020204" pitchFamily="34" charset="0"/>
+              <a:cs typeface="Arial" panose="020B0604020202020204" pitchFamily="34" charset="0"/>
+            </a:endParaRPr>
           </a:p>
         </p:txBody>
       </p:sp>
@@ -3586,6 +6917,8 @@
                 <a:solidFill>
                   <a:srgbClr val="000000"/>
                 </a:solidFill>
+                <a:latin typeface="Arial" panose="020B0604020202020204" pitchFamily="34" charset="0"/>
+                <a:cs typeface="Arial" panose="020B0604020202020204" pitchFamily="34" charset="0"/>
               </a:rPr>
               <a:t>A</a:t>
             </a:r>
@@ -3733,6 +7066,8 @@
                 <a:solidFill>
                   <a:schemeClr val="tx1"/>
                 </a:solidFill>
+                <a:latin typeface="Arial" panose="020B0604020202020204" pitchFamily="34" charset="0"/>
+                <a:cs typeface="Arial" panose="020B0604020202020204" pitchFamily="34" charset="0"/>
               </a:rPr>
               <a:t>E</a:t>
             </a:r>
@@ -3792,6 +7127,8 @@
                 <a:solidFill>
                   <a:schemeClr val="tx1"/>
                 </a:solidFill>
+                <a:latin typeface="Arial" panose="020B0604020202020204" pitchFamily="34" charset="0"/>
+                <a:cs typeface="Arial" panose="020B0604020202020204" pitchFamily="34" charset="0"/>
               </a:rPr>
               <a:t>Q</a:t>
             </a:r>
@@ -3851,6 +7188,8 @@
                 <a:solidFill>
                   <a:schemeClr val="tx1"/>
                 </a:solidFill>
+                <a:latin typeface="Arial" panose="020B0604020202020204" pitchFamily="34" charset="0"/>
+                <a:cs typeface="Arial" panose="020B0604020202020204" pitchFamily="34" charset="0"/>
               </a:rPr>
               <a:t>X</a:t>
             </a:r>
@@ -3890,10 +7229,16 @@
           <a:p>
             <a:pPr algn="ctr"/>
             <a:r>
-              <a:rPr lang="en-US" sz="1600" dirty="0"/>
+              <a:rPr lang="en-US" sz="1600" dirty="0">
+                <a:latin typeface="Arial" panose="020B0604020202020204" pitchFamily="34" charset="0"/>
+                <a:cs typeface="Arial" panose="020B0604020202020204" pitchFamily="34" charset="0"/>
+              </a:rPr>
               <a:t>nutrients</a:t>
             </a:r>
-            <a:endParaRPr lang="en-US" sz="1200" dirty="0"/>
+            <a:endParaRPr lang="en-US" sz="1200" dirty="0">
+              <a:latin typeface="Arial" panose="020B0604020202020204" pitchFamily="34" charset="0"/>
+              <a:cs typeface="Arial" panose="020B0604020202020204" pitchFamily="34" charset="0"/>
+            </a:endParaRPr>
           </a:p>
         </p:txBody>
       </p:sp>
@@ -4166,7 +7511,10 @@
           <a:lstStyle/>
           <a:p>
             <a:pPr algn="ctr"/>
-            <a:endParaRPr lang="en-US"/>
+            <a:endParaRPr lang="en-US">
+              <a:latin typeface="Arial" panose="020B0604020202020204" pitchFamily="34" charset="0"/>
+              <a:cs typeface="Arial" panose="020B0604020202020204" pitchFamily="34" charset="0"/>
+            </a:endParaRPr>
           </a:p>
         </p:txBody>
       </p:sp>
@@ -4184,8 +7532,8 @@
         </p:nvSpPr>
         <p:spPr>
           <a:xfrm>
-            <a:off x="2705356" y="560216"/>
-            <a:ext cx="6081194" cy="4408319"/>
+            <a:off x="2705355" y="560216"/>
+            <a:ext cx="6184577" cy="4408319"/>
           </a:xfrm>
           <a:prstGeom prst="roundRect">
             <a:avLst>
@@ -4222,7 +7570,10 @@
           <a:lstStyle/>
           <a:p>
             <a:pPr algn="ctr"/>
-            <a:endParaRPr lang="en-US"/>
+            <a:endParaRPr lang="en-US">
+              <a:latin typeface="Arial" panose="020B0604020202020204" pitchFamily="34" charset="0"/>
+              <a:cs typeface="Arial" panose="020B0604020202020204" pitchFamily="34" charset="0"/>
+            </a:endParaRPr>
           </a:p>
         </p:txBody>
       </p:sp>
@@ -4261,10 +7612,16 @@
           <a:p>
             <a:pPr algn="ctr"/>
             <a:r>
-              <a:rPr lang="en-US" sz="1600" dirty="0"/>
+              <a:rPr lang="en-US" sz="1600" dirty="0">
+                <a:latin typeface="Arial" panose="020B0604020202020204" pitchFamily="34" charset="0"/>
+                <a:cs typeface="Arial" panose="020B0604020202020204" pitchFamily="34" charset="0"/>
+              </a:rPr>
               <a:t>Transport and metabolism</a:t>
             </a:r>
-            <a:endParaRPr lang="en-US" sz="1600" baseline="-25000" dirty="0"/>
+            <a:endParaRPr lang="en-US" sz="1600" baseline="-25000" dirty="0">
+              <a:latin typeface="Arial" panose="020B0604020202020204" pitchFamily="34" charset="0"/>
+              <a:cs typeface="Arial" panose="020B0604020202020204" pitchFamily="34" charset="0"/>
+            </a:endParaRPr>
           </a:p>
         </p:txBody>
       </p:sp>
@@ -4303,10 +7660,16 @@
           <a:p>
             <a:pPr algn="ctr"/>
             <a:r>
-              <a:rPr lang="en-US" sz="1600" dirty="0"/>
+              <a:rPr lang="en-US" sz="1600" dirty="0">
+                <a:latin typeface="Arial" panose="020B0604020202020204" pitchFamily="34" charset="0"/>
+                <a:cs typeface="Arial" panose="020B0604020202020204" pitchFamily="34" charset="0"/>
+              </a:rPr>
               <a:t>Housekeeping</a:t>
             </a:r>
-            <a:endParaRPr lang="en-US" sz="1600" baseline="-25000" dirty="0"/>
+            <a:endParaRPr lang="en-US" sz="1600" baseline="-25000" dirty="0">
+              <a:latin typeface="Arial" panose="020B0604020202020204" pitchFamily="34" charset="0"/>
+              <a:cs typeface="Arial" panose="020B0604020202020204" pitchFamily="34" charset="0"/>
+            </a:endParaRPr>
           </a:p>
         </p:txBody>
       </p:sp>
@@ -4324,7 +7687,7 @@
         </p:nvSpPr>
         <p:spPr>
           <a:xfrm>
-            <a:off x="7643166" y="3999539"/>
+            <a:off x="7669542" y="3999539"/>
             <a:ext cx="1091334" cy="584775"/>
           </a:xfrm>
           <a:prstGeom prst="rect">
@@ -4343,10 +7706,16 @@
           <a:p>
             <a:pPr algn="ctr"/>
             <a:r>
-              <a:rPr lang="en-US" sz="1600" dirty="0"/>
+              <a:rPr lang="en-US" sz="1600" dirty="0">
+                <a:latin typeface="Arial" panose="020B0604020202020204" pitchFamily="34" charset="0"/>
+                <a:cs typeface="Arial" panose="020B0604020202020204" pitchFamily="34" charset="0"/>
+              </a:rPr>
               <a:t>Protein synthesis</a:t>
             </a:r>
-            <a:endParaRPr lang="en-US" sz="1600" baseline="-25000" dirty="0"/>
+            <a:endParaRPr lang="en-US" sz="1600" baseline="-25000" dirty="0">
+              <a:latin typeface="Arial" panose="020B0604020202020204" pitchFamily="34" charset="0"/>
+              <a:cs typeface="Arial" panose="020B0604020202020204" pitchFamily="34" charset="0"/>
+            </a:endParaRPr>
           </a:p>
         </p:txBody>
       </p:sp>
@@ -4380,10 +7749,16 @@
           <a:p>
             <a:pPr algn="ctr"/>
             <a:r>
-              <a:rPr lang="en-US" sz="1600" b="1" dirty="0"/>
+              <a:rPr lang="en-US" sz="1600" b="1" dirty="0">
+                <a:latin typeface="Arial" panose="020B0604020202020204" pitchFamily="34" charset="0"/>
+                <a:cs typeface="Arial" panose="020B0604020202020204" pitchFamily="34" charset="0"/>
+              </a:rPr>
               <a:t>k</a:t>
             </a:r>
-            <a:endParaRPr lang="en-US" sz="1600" b="1" baseline="-25000" dirty="0"/>
+            <a:endParaRPr lang="en-US" sz="1600" b="1" baseline="-25000" dirty="0">
+              <a:latin typeface="Arial" panose="020B0604020202020204" pitchFamily="34" charset="0"/>
+              <a:cs typeface="Arial" panose="020B0604020202020204" pitchFamily="34" charset="0"/>
+            </a:endParaRPr>
           </a:p>
         </p:txBody>
       </p:sp>
@@ -4438,6 +7813,8 @@
                 <a:solidFill>
                   <a:schemeClr val="tx1"/>
                 </a:solidFill>
+                <a:latin typeface="Arial" panose="020B0604020202020204" pitchFamily="34" charset="0"/>
+                <a:cs typeface="Arial" panose="020B0604020202020204" pitchFamily="34" charset="0"/>
               </a:rPr>
               <a:t>U</a:t>
             </a:r>
@@ -4477,10 +7854,16 @@
           <a:p>
             <a:pPr algn="ctr"/>
             <a:r>
-              <a:rPr lang="en-US" sz="1600" dirty="0"/>
+              <a:rPr lang="en-US" sz="1600" dirty="0">
+                <a:latin typeface="Arial" panose="020B0604020202020204" pitchFamily="34" charset="0"/>
+                <a:cs typeface="Arial" panose="020B0604020202020204" pitchFamily="34" charset="0"/>
+              </a:rPr>
               <a:t>Useless proteins</a:t>
             </a:r>
-            <a:endParaRPr lang="en-US" sz="1600" baseline="-25000" dirty="0"/>
+            <a:endParaRPr lang="en-US" sz="1600" baseline="-25000" dirty="0">
+              <a:latin typeface="Arial" panose="020B0604020202020204" pitchFamily="34" charset="0"/>
+              <a:cs typeface="Arial" panose="020B0604020202020204" pitchFamily="34" charset="0"/>
+            </a:endParaRPr>
           </a:p>
         </p:txBody>
       </p:sp>
@@ -4559,14 +7942,23 @@
           <a:lstStyle/>
           <a:p>
             <a:r>
-              <a:rPr lang="en-US" b="1" dirty="0" err="1"/>
+              <a:rPr lang="en-US" b="1" dirty="0" err="1">
+                <a:latin typeface="Arial" panose="020B0604020202020204" pitchFamily="34" charset="0"/>
+                <a:cs typeface="Arial" panose="020B0604020202020204" pitchFamily="34" charset="0"/>
+              </a:rPr>
               <a:t>f</a:t>
             </a:r>
             <a:r>
-              <a:rPr lang="en-US" b="1" baseline="-25000" dirty="0" err="1"/>
+              <a:rPr lang="en-US" b="1" baseline="-25000" dirty="0" err="1">
+                <a:latin typeface="Arial" panose="020B0604020202020204" pitchFamily="34" charset="0"/>
+                <a:cs typeface="Arial" panose="020B0604020202020204" pitchFamily="34" charset="0"/>
+              </a:rPr>
               <a:t>U</a:t>
             </a:r>
-            <a:endParaRPr lang="en-US" b="1" baseline="-25000" dirty="0"/>
+            <a:endParaRPr lang="en-US" b="1" baseline="-25000" dirty="0">
+              <a:latin typeface="Arial" panose="020B0604020202020204" pitchFamily="34" charset="0"/>
+              <a:cs typeface="Arial" panose="020B0604020202020204" pitchFamily="34" charset="0"/>
+            </a:endParaRPr>
           </a:p>
         </p:txBody>
       </p:sp>
@@ -4584,7 +7976,7 @@
         </p:nvSpPr>
         <p:spPr>
           <a:xfrm>
-            <a:off x="5291030" y="4065941"/>
+            <a:off x="5203110" y="4065941"/>
             <a:ext cx="945178" cy="486062"/>
           </a:xfrm>
           <a:prstGeom prst="ellipse">
@@ -4623,6 +8015,8 @@
                 <a:solidFill>
                   <a:schemeClr val="tx1"/>
                 </a:solidFill>
+                <a:latin typeface="Arial" panose="020B0604020202020204" pitchFamily="34" charset="0"/>
+                <a:cs typeface="Arial" panose="020B0604020202020204" pitchFamily="34" charset="0"/>
               </a:rPr>
               <a:t>R</a:t>
             </a:r>
@@ -4631,6 +8025,8 @@
                 <a:solidFill>
                   <a:schemeClr val="tx1"/>
                 </a:solidFill>
+                <a:latin typeface="Arial" panose="020B0604020202020204" pitchFamily="34" charset="0"/>
+                <a:cs typeface="Arial" panose="020B0604020202020204" pitchFamily="34" charset="0"/>
               </a:rPr>
               <a:t>total</a:t>
             </a:r>
@@ -4638,6 +8034,8 @@
               <a:solidFill>
                 <a:schemeClr val="tx1"/>
               </a:solidFill>
+              <a:latin typeface="Arial" panose="020B0604020202020204" pitchFamily="34" charset="0"/>
+              <a:cs typeface="Arial" panose="020B0604020202020204" pitchFamily="34" charset="0"/>
             </a:endParaRPr>
           </a:p>
         </p:txBody>
@@ -4656,8 +8054,8 @@
         </p:nvSpPr>
         <p:spPr>
           <a:xfrm>
-            <a:off x="6578855" y="4075085"/>
-            <a:ext cx="1034498" cy="486062"/>
+            <a:off x="6482142" y="4075085"/>
+            <a:ext cx="1208515" cy="486062"/>
           </a:xfrm>
           <a:prstGeom prst="ellipse">
             <a:avLst/>
@@ -4690,25 +8088,31 @@
           <a:p>
             <a:pPr algn="ctr"/>
             <a:r>
-              <a:rPr lang="en-US" sz="1600" dirty="0" err="1">
+              <a:rPr lang="en-US" sz="1600" b="1" dirty="0" err="1">
                 <a:solidFill>
                   <a:schemeClr val="tx1"/>
                 </a:solidFill>
+                <a:latin typeface="Arial" panose="020B0604020202020204" pitchFamily="34" charset="0"/>
+                <a:cs typeface="Arial" panose="020B0604020202020204" pitchFamily="34" charset="0"/>
               </a:rPr>
               <a:t>R</a:t>
             </a:r>
             <a:r>
-              <a:rPr lang="en-US" sz="1600" baseline="-25000" dirty="0" err="1">
+              <a:rPr lang="en-US" sz="1600" b="1" baseline="-25000" dirty="0" err="1">
                 <a:solidFill>
                   <a:schemeClr val="tx1"/>
                 </a:solidFill>
+                <a:latin typeface="Arial" panose="020B0604020202020204" pitchFamily="34" charset="0"/>
+                <a:cs typeface="Arial" panose="020B0604020202020204" pitchFamily="34" charset="0"/>
               </a:rPr>
               <a:t>inactive</a:t>
             </a:r>
-            <a:endParaRPr lang="en-US" sz="1600" baseline="-25000" dirty="0">
+            <a:endParaRPr lang="en-US" sz="1600" b="1" baseline="-25000" dirty="0">
               <a:solidFill>
                 <a:schemeClr val="tx1"/>
               </a:solidFill>
+              <a:latin typeface="Arial" panose="020B0604020202020204" pitchFamily="34" charset="0"/>
+              <a:cs typeface="Arial" panose="020B0604020202020204" pitchFamily="34" charset="0"/>
             </a:endParaRPr>
           </a:p>
         </p:txBody>
@@ -4727,8 +8131,8 @@
         </p:nvSpPr>
         <p:spPr>
           <a:xfrm>
-            <a:off x="3965827" y="4065941"/>
-            <a:ext cx="978434" cy="486062"/>
+            <a:off x="3877906" y="4065941"/>
+            <a:ext cx="1055477" cy="486062"/>
           </a:xfrm>
           <a:prstGeom prst="ellipse">
             <a:avLst/>
@@ -4765,6 +8169,8 @@
                 <a:solidFill>
                   <a:schemeClr val="tx1"/>
                 </a:solidFill>
+                <a:latin typeface="Arial" panose="020B0604020202020204" pitchFamily="34" charset="0"/>
+                <a:cs typeface="Arial" panose="020B0604020202020204" pitchFamily="34" charset="0"/>
               </a:rPr>
               <a:t>R</a:t>
             </a:r>
@@ -4773,6 +8179,8 @@
                 <a:solidFill>
                   <a:schemeClr val="tx1"/>
                 </a:solidFill>
+                <a:latin typeface="Arial" panose="020B0604020202020204" pitchFamily="34" charset="0"/>
+                <a:cs typeface="Arial" panose="020B0604020202020204" pitchFamily="34" charset="0"/>
               </a:rPr>
               <a:t>active</a:t>
             </a:r>
@@ -4780,6 +8188,8 @@
               <a:solidFill>
                 <a:schemeClr val="tx1"/>
               </a:solidFill>
+              <a:latin typeface="Arial" panose="020B0604020202020204" pitchFamily="34" charset="0"/>
+              <a:cs typeface="Arial" panose="020B0604020202020204" pitchFamily="34" charset="0"/>
             </a:endParaRPr>
           </a:p>
         </p:txBody>
@@ -4800,7 +8210,7 @@
         </p:nvCxnSpPr>
         <p:spPr>
           <a:xfrm flipV="1">
-            <a:off x="4465974" y="2885313"/>
+            <a:off x="4430806" y="2885313"/>
             <a:ext cx="0" cy="1097158"/>
           </a:xfrm>
           <a:prstGeom prst="straightConnector1">
@@ -4847,7 +8257,7 @@
         </p:nvCxnSpPr>
         <p:spPr>
           <a:xfrm flipH="1">
-            <a:off x="5007700" y="4315630"/>
+            <a:off x="4919780" y="4315630"/>
             <a:ext cx="234014" cy="0"/>
           </a:xfrm>
           <a:prstGeom prst="line">
@@ -4893,7 +8303,7 @@
         </p:nvCxnSpPr>
         <p:spPr>
           <a:xfrm>
-            <a:off x="6265770" y="4315630"/>
+            <a:off x="6177850" y="4315630"/>
             <a:ext cx="253082" cy="0"/>
           </a:xfrm>
           <a:prstGeom prst="line">
@@ -4979,6 +8389,8 @@
                 <a:solidFill>
                   <a:schemeClr val="tx1"/>
                 </a:solidFill>
+                <a:latin typeface="Arial" panose="020B0604020202020204" pitchFamily="34" charset="0"/>
+                <a:cs typeface="Arial" panose="020B0604020202020204" pitchFamily="34" charset="0"/>
               </a:rPr>
               <a:t>Modeling nutrient quality</a:t>
             </a:r>
@@ -5041,6 +8453,8 @@
                 <a:solidFill>
                   <a:schemeClr val="tx1"/>
                 </a:solidFill>
+                <a:latin typeface="Arial" panose="020B0604020202020204" pitchFamily="34" charset="0"/>
+                <a:cs typeface="Arial" panose="020B0604020202020204" pitchFamily="34" charset="0"/>
               </a:rPr>
               <a:t>Modeling expression of useless protein</a:t>
             </a:r>
@@ -5103,6 +8517,8 @@
                 <a:solidFill>
                   <a:schemeClr val="tx1"/>
                 </a:solidFill>
+                <a:latin typeface="Arial" panose="020B0604020202020204" pitchFamily="34" charset="0"/>
+                <a:cs typeface="Arial" panose="020B0604020202020204" pitchFamily="34" charset="0"/>
               </a:rPr>
               <a:t>Modeling ribosome inactivation by chloramphenicol</a:t>
             </a:r>
@@ -5123,7 +8539,7 @@
         </p:nvSpPr>
         <p:spPr>
           <a:xfrm>
-            <a:off x="4304760" y="3321938"/>
+            <a:off x="4269592" y="3198850"/>
             <a:ext cx="972919" cy="338554"/>
           </a:xfrm>
           <a:prstGeom prst="rect">
@@ -5139,27 +8555,42 @@
           <a:p>
             <a:pPr algn="ctr"/>
             <a:r>
-              <a:rPr lang="en-US" sz="1600" dirty="0" err="1"/>
+              <a:rPr lang="en-US" sz="1600" dirty="0" err="1">
+                <a:latin typeface="Arial" panose="020B0604020202020204" pitchFamily="34" charset="0"/>
+                <a:cs typeface="Arial" panose="020B0604020202020204" pitchFamily="34" charset="0"/>
+              </a:rPr>
               <a:t>σ</a:t>
             </a:r>
             <a:r>
-              <a:rPr lang="en-US" sz="1600" dirty="0"/>
+              <a:rPr lang="en-US" sz="1600" dirty="0">
+                <a:latin typeface="Arial" panose="020B0604020202020204" pitchFamily="34" charset="0"/>
+                <a:cs typeface="Arial" panose="020B0604020202020204" pitchFamily="34" charset="0"/>
+              </a:rPr>
               <a:t>, </a:t>
             </a:r>
             <a:r>
-              <a:rPr lang="en-US" sz="1600" dirty="0" err="1"/>
+              <a:rPr lang="en-US" sz="1600" dirty="0" err="1">
+                <a:latin typeface="Arial" panose="020B0604020202020204" pitchFamily="34" charset="0"/>
+                <a:cs typeface="Arial" panose="020B0604020202020204" pitchFamily="34" charset="0"/>
+              </a:rPr>
               <a:t>a</a:t>
             </a:r>
             <a:r>
-              <a:rPr lang="en-US" sz="1600" baseline="-25000" dirty="0" err="1"/>
+              <a:rPr lang="en-US" sz="1600" baseline="-25000" dirty="0" err="1">
+                <a:latin typeface="Arial" panose="020B0604020202020204" pitchFamily="34" charset="0"/>
+                <a:cs typeface="Arial" panose="020B0604020202020204" pitchFamily="34" charset="0"/>
+              </a:rPr>
               <a:t>sat</a:t>
             </a:r>
-            <a:endParaRPr lang="en-US" sz="1600" baseline="-25000" dirty="0"/>
-          </a:p>
-        </p:txBody>
-      </p:sp>
-      <mc:AlternateContent xmlns:mc="http://schemas.openxmlformats.org/markup-compatibility/2006">
-        <mc:Choice xmlns:a14="http://schemas.microsoft.com/office/drawing/2010/main" Requires="a14">
+            <a:endParaRPr lang="en-US" sz="1600" baseline="-25000" dirty="0">
+              <a:latin typeface="Arial" panose="020B0604020202020204" pitchFamily="34" charset="0"/>
+              <a:cs typeface="Arial" panose="020B0604020202020204" pitchFamily="34" charset="0"/>
+            </a:endParaRPr>
+          </a:p>
+        </p:txBody>
+      </p:sp>
+      <mc:AlternateContent xmlns:mc="http://schemas.openxmlformats.org/markup-compatibility/2006" xmlns:a14="http://schemas.microsoft.com/office/drawing/2010/main">
+        <mc:Choice Requires="a14">
           <p:sp>
             <p:nvSpPr>
               <p:cNvPr id="40" name="ZoneTexte 1">
@@ -5174,7 +8605,7 @@
             </p:nvSpPr>
             <p:spPr>
               <a:xfrm>
-                <a:off x="4149499" y="4762262"/>
+                <a:off x="4149499" y="4850182"/>
                 <a:ext cx="3355706" cy="1133772"/>
               </a:xfrm>
               <a:prstGeom prst="rect">
@@ -5200,8 +8631,9 @@
               <a:p>
                 <a:pPr algn="ctr"/>
                 <a:endParaRPr lang="en-GB" sz="500" b="0" i="1" dirty="0">
-                  <a:latin typeface="Cambria Math" panose="02040503050406030204" pitchFamily="18" charset="0"/>
+                  <a:latin typeface="Arial" panose="020B0604020202020204" pitchFamily="34" charset="0"/>
                   <a:ea typeface="Cambria Math" panose="02040503050406030204" pitchFamily="18" charset="0"/>
+                  <a:cs typeface="Arial" panose="020B0604020202020204" pitchFamily="34" charset="0"/>
                 </a:endParaRPr>
               </a:p>
               <a:p>
@@ -5356,7 +8788,9 @@
                       <a:lumMod val="50000"/>
                     </a:schemeClr>
                   </a:solidFill>
+                  <a:latin typeface="Arial" panose="020B0604020202020204" pitchFamily="34" charset="0"/>
                   <a:ea typeface="Cambria Math" panose="02040503050406030204" pitchFamily="18" charset="0"/>
+                  <a:cs typeface="Arial" panose="020B0604020202020204" pitchFamily="34" charset="0"/>
                 </a:endParaRPr>
               </a:p>
               <a:p>
@@ -5367,7 +8801,9 @@
                       <a:lumMod val="50000"/>
                     </a:schemeClr>
                   </a:solidFill>
+                  <a:latin typeface="Arial" panose="020B0604020202020204" pitchFamily="34" charset="0"/>
                   <a:ea typeface="Cambria Math" panose="02040503050406030204" pitchFamily="18" charset="0"/>
+                  <a:cs typeface="Arial" panose="020B0604020202020204" pitchFamily="34" charset="0"/>
                 </a:endParaRPr>
               </a:p>
               <a:p>
@@ -5522,7 +8958,9 @@
                       <a:lumMod val="50000"/>
                     </a:schemeClr>
                   </a:solidFill>
+                  <a:latin typeface="Arial" panose="020B0604020202020204" pitchFamily="34" charset="0"/>
                   <a:ea typeface="Cambria Math" panose="02040503050406030204" pitchFamily="18" charset="0"/>
+                  <a:cs typeface="Arial" panose="020B0604020202020204" pitchFamily="34" charset="0"/>
                 </a:endParaRPr>
               </a:p>
               <a:p>
@@ -5746,7 +9184,9 @@
                       <a:lumMod val="50000"/>
                     </a:schemeClr>
                   </a:solidFill>
+                  <a:latin typeface="Arial" panose="020B0604020202020204" pitchFamily="34" charset="0"/>
                   <a:ea typeface="Cambria Math" panose="02040503050406030204" pitchFamily="18" charset="0"/>
+                  <a:cs typeface="Arial" panose="020B0604020202020204" pitchFamily="34" charset="0"/>
                 </a:endParaRPr>
               </a:p>
               <a:p>
@@ -5757,13 +9197,15 @@
                       <a:lumMod val="50000"/>
                     </a:schemeClr>
                   </a:solidFill>
+                  <a:latin typeface="Arial" panose="020B0604020202020204" pitchFamily="34" charset="0"/>
                   <a:ea typeface="Cambria Math" panose="02040503050406030204" pitchFamily="18" charset="0"/>
+                  <a:cs typeface="Arial" panose="020B0604020202020204" pitchFamily="34" charset="0"/>
                 </a:endParaRPr>
               </a:p>
             </p:txBody>
           </p:sp>
         </mc:Choice>
-        <mc:Fallback>
+        <mc:Fallback xmlns="">
           <p:sp>
             <p:nvSpPr>
               <p:cNvPr id="40" name="ZoneTexte 1">
@@ -5780,7 +9222,7 @@
             </p:nvSpPr>
             <p:spPr>
               <a:xfrm>
-                <a:off x="4149499" y="4762262"/>
+                <a:off x="4149499" y="4850182"/>
                 <a:ext cx="3355706" cy="1133772"/>
               </a:xfrm>
               <a:prstGeom prst="rect">
@@ -5845,14 +9287,23 @@
           <a:lstStyle/>
           <a:p>
             <a:r>
-              <a:rPr lang="en-US" dirty="0" err="1"/>
+              <a:rPr lang="en-US" dirty="0" err="1">
+                <a:latin typeface="Arial" panose="020B0604020202020204" pitchFamily="34" charset="0"/>
+                <a:cs typeface="Arial" panose="020B0604020202020204" pitchFamily="34" charset="0"/>
+              </a:rPr>
               <a:t>f</a:t>
             </a:r>
             <a:r>
-              <a:rPr lang="en-US" baseline="-25000" dirty="0" err="1"/>
+              <a:rPr lang="en-US" baseline="-25000" dirty="0" err="1">
+                <a:latin typeface="Arial" panose="020B0604020202020204" pitchFamily="34" charset="0"/>
+                <a:cs typeface="Arial" panose="020B0604020202020204" pitchFamily="34" charset="0"/>
+              </a:rPr>
               <a:t>E</a:t>
             </a:r>
-            <a:endParaRPr lang="en-US" baseline="-25000" dirty="0"/>
+            <a:endParaRPr lang="en-US" baseline="-25000" dirty="0">
+              <a:latin typeface="Arial" panose="020B0604020202020204" pitchFamily="34" charset="0"/>
+              <a:cs typeface="Arial" panose="020B0604020202020204" pitchFamily="34" charset="0"/>
+            </a:endParaRPr>
           </a:p>
         </p:txBody>
       </p:sp>
@@ -5885,14 +9336,23 @@
           <a:lstStyle/>
           <a:p>
             <a:r>
-              <a:rPr lang="en-US" dirty="0" err="1"/>
+              <a:rPr lang="en-US" dirty="0" err="1">
+                <a:latin typeface="Arial" panose="020B0604020202020204" pitchFamily="34" charset="0"/>
+                <a:cs typeface="Arial" panose="020B0604020202020204" pitchFamily="34" charset="0"/>
+              </a:rPr>
               <a:t>f</a:t>
             </a:r>
             <a:r>
-              <a:rPr lang="en-US" baseline="-25000" dirty="0" err="1"/>
+              <a:rPr lang="en-US" baseline="-25000" dirty="0" err="1">
+                <a:latin typeface="Arial" panose="020B0604020202020204" pitchFamily="34" charset="0"/>
+                <a:cs typeface="Arial" panose="020B0604020202020204" pitchFamily="34" charset="0"/>
+              </a:rPr>
               <a:t>Q</a:t>
             </a:r>
-            <a:endParaRPr lang="en-US" baseline="-25000" dirty="0"/>
+            <a:endParaRPr lang="en-US" baseline="-25000" dirty="0">
+              <a:latin typeface="Arial" panose="020B0604020202020204" pitchFamily="34" charset="0"/>
+              <a:cs typeface="Arial" panose="020B0604020202020204" pitchFamily="34" charset="0"/>
+            </a:endParaRPr>
           </a:p>
         </p:txBody>
       </p:sp>
@@ -5925,14 +9385,23 @@
           <a:lstStyle/>
           <a:p>
             <a:r>
-              <a:rPr lang="en-US" dirty="0" err="1"/>
+              <a:rPr lang="en-US" dirty="0" err="1">
+                <a:latin typeface="Arial" panose="020B0604020202020204" pitchFamily="34" charset="0"/>
+                <a:cs typeface="Arial" panose="020B0604020202020204" pitchFamily="34" charset="0"/>
+              </a:rPr>
               <a:t>f</a:t>
             </a:r>
             <a:r>
-              <a:rPr lang="en-US" baseline="-25000" dirty="0" err="1"/>
+              <a:rPr lang="en-US" baseline="-25000" dirty="0" err="1">
+                <a:latin typeface="Arial" panose="020B0604020202020204" pitchFamily="34" charset="0"/>
+                <a:cs typeface="Arial" panose="020B0604020202020204" pitchFamily="34" charset="0"/>
+              </a:rPr>
               <a:t>X</a:t>
             </a:r>
-            <a:endParaRPr lang="en-US" baseline="-25000" dirty="0"/>
+            <a:endParaRPr lang="en-US" baseline="-25000" dirty="0">
+              <a:latin typeface="Arial" panose="020B0604020202020204" pitchFamily="34" charset="0"/>
+              <a:cs typeface="Arial" panose="020B0604020202020204" pitchFamily="34" charset="0"/>
+            </a:endParaRPr>
           </a:p>
         </p:txBody>
       </p:sp>
@@ -5965,14 +9434,23 @@
           <a:lstStyle/>
           <a:p>
             <a:r>
-              <a:rPr lang="en-US" dirty="0" err="1"/>
+              <a:rPr lang="en-US" dirty="0" err="1">
+                <a:latin typeface="Arial" panose="020B0604020202020204" pitchFamily="34" charset="0"/>
+                <a:cs typeface="Arial" panose="020B0604020202020204" pitchFamily="34" charset="0"/>
+              </a:rPr>
               <a:t>f</a:t>
             </a:r>
             <a:r>
-              <a:rPr lang="en-US" baseline="-25000" dirty="0" err="1"/>
+              <a:rPr lang="en-US" baseline="-25000" dirty="0" err="1">
+                <a:latin typeface="Arial" panose="020B0604020202020204" pitchFamily="34" charset="0"/>
+                <a:cs typeface="Arial" panose="020B0604020202020204" pitchFamily="34" charset="0"/>
+              </a:rPr>
               <a:t>R</a:t>
             </a:r>
-            <a:endParaRPr lang="en-US" baseline="-25000" dirty="0"/>
+            <a:endParaRPr lang="en-US" baseline="-25000" dirty="0">
+              <a:latin typeface="Arial" panose="020B0604020202020204" pitchFamily="34" charset="0"/>
+              <a:cs typeface="Arial" panose="020B0604020202020204" pitchFamily="34" charset="0"/>
+            </a:endParaRPr>
           </a:p>
         </p:txBody>
       </p:sp>
